--- a/Slides.pptx
+++ b/Slides.pptx
@@ -105,7 +105,49 @@
       </a:defRPr>
     </a:lvl9pPr>
   </p:defaultTextStyle>
+  <p:extLst>
+    <p:ext uri="{EFAFB233-063F-42B5-8137-9DF3F51BA10A}">
+      <p15:sldGuideLst xmlns:p15="http://schemas.microsoft.com/office/powerpoint/2012/main"/>
+    </p:ext>
+  </p:extLst>
 </p:presentation>
+</file>
+
+<file path=ppt/changesInfos/changesInfo1.xml><?xml version="1.0" encoding="utf-8"?>
+<pc:chgInfo xmlns:a="http://schemas.openxmlformats.org/drawingml/2006/main" xmlns:r="http://schemas.openxmlformats.org/officeDocument/2006/relationships" xmlns:ac="http://schemas.microsoft.com/office/drawing/2013/main/command" xmlns:pc="http://schemas.microsoft.com/office/powerpoint/2013/main/command">
+  <pc:docChgLst>
+    <pc:chgData name="Hayhoe, Mikhail Markus" userId="52efaece-9b81-4b6f-be9d-7f589317fc85" providerId="ADAL" clId="{0302C501-1B46-480C-AE96-7BB2E6A9295A}"/>
+    <pc:docChg chg="custSel modSld">
+      <pc:chgData name="Hayhoe, Mikhail Markus" userId="52efaece-9b81-4b6f-be9d-7f589317fc85" providerId="ADAL" clId="{0302C501-1B46-480C-AE96-7BB2E6A9295A}" dt="2018-04-18T20:18:07.621" v="260" actId="20577"/>
+      <pc:docMkLst>
+        <pc:docMk/>
+      </pc:docMkLst>
+      <pc:sldChg chg="modSp">
+        <pc:chgData name="Hayhoe, Mikhail Markus" userId="52efaece-9b81-4b6f-be9d-7f589317fc85" providerId="ADAL" clId="{0302C501-1B46-480C-AE96-7BB2E6A9295A}" dt="2018-04-18T20:18:07.621" v="260" actId="20577"/>
+        <pc:sldMkLst>
+          <pc:docMk/>
+          <pc:sldMk cId="1563700150" sldId="257"/>
+        </pc:sldMkLst>
+        <pc:spChg chg="mod">
+          <ac:chgData name="Hayhoe, Mikhail Markus" userId="52efaece-9b81-4b6f-be9d-7f589317fc85" providerId="ADAL" clId="{0302C501-1B46-480C-AE96-7BB2E6A9295A}" dt="2018-04-18T20:16:35.041" v="158" actId="20577"/>
+          <ac:spMkLst>
+            <pc:docMk/>
+            <pc:sldMk cId="1563700150" sldId="257"/>
+            <ac:spMk id="4" creationId="{1199A0A1-13CB-48A5-A633-30ED4DE14C3B}"/>
+          </ac:spMkLst>
+        </pc:spChg>
+        <pc:spChg chg="mod">
+          <ac:chgData name="Hayhoe, Mikhail Markus" userId="52efaece-9b81-4b6f-be9d-7f589317fc85" providerId="ADAL" clId="{0302C501-1B46-480C-AE96-7BB2E6A9295A}" dt="2018-04-18T20:18:07.621" v="260" actId="20577"/>
+          <ac:spMkLst>
+            <pc:docMk/>
+            <pc:sldMk cId="1563700150" sldId="257"/>
+            <ac:spMk id="6" creationId="{8DE3C8E8-1CF5-4724-87F1-EA6A381C63BD}"/>
+          </ac:spMkLst>
+        </pc:spChg>
+      </pc:sldChg>
+    </pc:docChg>
+  </pc:docChgLst>
+</pc:chgInfo>
 </file>
 
 <file path=ppt/slideLayouts/slideLayout1.xml><?xml version="1.0" encoding="utf-8"?>
@@ -255,7 +297,7 @@
           <a:p>
             <a:fld id="{6B3211B0-62EF-43D9-85C0-6D5722365FD8}" type="datetimeFigureOut">
               <a:rPr lang="en-US" smtClean="0"/>
-              <a:t>4/16/2018</a:t>
+              <a:t>4/18/2018</a:t>
             </a:fld>
             <a:endParaRPr lang="en-US"/>
           </a:p>
@@ -453,7 +495,7 @@
           <a:p>
             <a:fld id="{6B3211B0-62EF-43D9-85C0-6D5722365FD8}" type="datetimeFigureOut">
               <a:rPr lang="en-US" smtClean="0"/>
-              <a:t>4/16/2018</a:t>
+              <a:t>4/18/2018</a:t>
             </a:fld>
             <a:endParaRPr lang="en-US"/>
           </a:p>
@@ -661,7 +703,7 @@
           <a:p>
             <a:fld id="{6B3211B0-62EF-43D9-85C0-6D5722365FD8}" type="datetimeFigureOut">
               <a:rPr lang="en-US" smtClean="0"/>
-              <a:t>4/16/2018</a:t>
+              <a:t>4/18/2018</a:t>
             </a:fld>
             <a:endParaRPr lang="en-US"/>
           </a:p>
@@ -859,7 +901,7 @@
           <a:p>
             <a:fld id="{6B3211B0-62EF-43D9-85C0-6D5722365FD8}" type="datetimeFigureOut">
               <a:rPr lang="en-US" smtClean="0"/>
-              <a:t>4/16/2018</a:t>
+              <a:t>4/18/2018</a:t>
             </a:fld>
             <a:endParaRPr lang="en-US"/>
           </a:p>
@@ -1134,7 +1176,7 @@
           <a:p>
             <a:fld id="{6B3211B0-62EF-43D9-85C0-6D5722365FD8}" type="datetimeFigureOut">
               <a:rPr lang="en-US" smtClean="0"/>
-              <a:t>4/16/2018</a:t>
+              <a:t>4/18/2018</a:t>
             </a:fld>
             <a:endParaRPr lang="en-US"/>
           </a:p>
@@ -1399,7 +1441,7 @@
           <a:p>
             <a:fld id="{6B3211B0-62EF-43D9-85C0-6D5722365FD8}" type="datetimeFigureOut">
               <a:rPr lang="en-US" smtClean="0"/>
-              <a:t>4/16/2018</a:t>
+              <a:t>4/18/2018</a:t>
             </a:fld>
             <a:endParaRPr lang="en-US"/>
           </a:p>
@@ -1811,7 +1853,7 @@
           <a:p>
             <a:fld id="{6B3211B0-62EF-43D9-85C0-6D5722365FD8}" type="datetimeFigureOut">
               <a:rPr lang="en-US" smtClean="0"/>
-              <a:t>4/16/2018</a:t>
+              <a:t>4/18/2018</a:t>
             </a:fld>
             <a:endParaRPr lang="en-US"/>
           </a:p>
@@ -1952,7 +1994,7 @@
           <a:p>
             <a:fld id="{6B3211B0-62EF-43D9-85C0-6D5722365FD8}" type="datetimeFigureOut">
               <a:rPr lang="en-US" smtClean="0"/>
-              <a:t>4/16/2018</a:t>
+              <a:t>4/18/2018</a:t>
             </a:fld>
             <a:endParaRPr lang="en-US"/>
           </a:p>
@@ -2065,7 +2107,7 @@
           <a:p>
             <a:fld id="{6B3211B0-62EF-43D9-85C0-6D5722365FD8}" type="datetimeFigureOut">
               <a:rPr lang="en-US" smtClean="0"/>
-              <a:t>4/16/2018</a:t>
+              <a:t>4/18/2018</a:t>
             </a:fld>
             <a:endParaRPr lang="en-US"/>
           </a:p>
@@ -2376,7 +2418,7 @@
           <a:p>
             <a:fld id="{6B3211B0-62EF-43D9-85C0-6D5722365FD8}" type="datetimeFigureOut">
               <a:rPr lang="en-US" smtClean="0"/>
-              <a:t>4/16/2018</a:t>
+              <a:t>4/18/2018</a:t>
             </a:fld>
             <a:endParaRPr lang="en-US"/>
           </a:p>
@@ -2664,7 +2706,7 @@
           <a:p>
             <a:fld id="{6B3211B0-62EF-43D9-85C0-6D5722365FD8}" type="datetimeFigureOut">
               <a:rPr lang="en-US" smtClean="0"/>
-              <a:t>4/16/2018</a:t>
+              <a:t>4/18/2018</a:t>
             </a:fld>
             <a:endParaRPr lang="en-US"/>
           </a:p>
@@ -2905,7 +2947,7 @@
           <a:p>
             <a:fld id="{6B3211B0-62EF-43D9-85C0-6D5722365FD8}" type="datetimeFigureOut">
               <a:rPr lang="en-US" smtClean="0"/>
-              <a:t>4/16/2018</a:t>
+              <a:t>4/18/2018</a:t>
             </a:fld>
             <a:endParaRPr lang="en-US"/>
           </a:p>
@@ -3584,6 +3626,24 @@
           <a:bodyPr/>
           <a:lstStyle/>
           <a:p>
+            <a:r>
+              <a:rPr lang="en-US" dirty="0"/>
+              <a:t>Bet distributions</a:t>
+            </a:r>
+          </a:p>
+          <a:p>
+            <a:r>
+              <a:rPr lang="en-US" dirty="0"/>
+              <a:t>Histogram</a:t>
+            </a:r>
+          </a:p>
+          <a:p>
+            <a:r>
+              <a:rPr lang="en-US" dirty="0"/>
+              <a:t>Tricks – Bets (conservatism)</a:t>
+            </a:r>
+          </a:p>
+          <a:p>
             <a:endParaRPr lang="en-US" dirty="0"/>
           </a:p>
         </p:txBody>
@@ -3648,7 +3708,30 @@
           <a:bodyPr/>
           <a:lstStyle/>
           <a:p>
-            <a:endParaRPr lang="en-US"/>
+            <a:r>
+              <a:rPr lang="en-US" dirty="0"/>
+              <a:t>Table of GAME wins for everyone</a:t>
+            </a:r>
+          </a:p>
+          <a:p>
+            <a:r>
+              <a:rPr lang="en-US" dirty="0"/>
+              <a:t>Some kind of learning curve? </a:t>
+            </a:r>
+            <a:r>
+              <a:rPr lang="en-US" dirty="0" err="1"/>
+              <a:t>Avg</a:t>
+            </a:r>
+            <a:r>
+              <a:rPr lang="en-US" dirty="0"/>
+              <a:t> Score? Learns to bet according to play</a:t>
+            </a:r>
+          </a:p>
+          <a:p>
+            <a:r>
+              <a:rPr lang="en-US" dirty="0"/>
+              <a:t>Figure of NNs if we have space</a:t>
+            </a:r>
           </a:p>
         </p:txBody>
       </p:sp>

--- a/Slides.pptx
+++ b/Slides.pptx
@@ -297,7 +297,7 @@
           <a:p>
             <a:fld id="{6B3211B0-62EF-43D9-85C0-6D5722365FD8}" type="datetimeFigureOut">
               <a:rPr lang="en-US" smtClean="0"/>
-              <a:t>4/18/2018</a:t>
+              <a:t>4/19/18</a:t>
             </a:fld>
             <a:endParaRPr lang="en-US"/>
           </a:p>
@@ -495,7 +495,7 @@
           <a:p>
             <a:fld id="{6B3211B0-62EF-43D9-85C0-6D5722365FD8}" type="datetimeFigureOut">
               <a:rPr lang="en-US" smtClean="0"/>
-              <a:t>4/18/2018</a:t>
+              <a:t>4/19/18</a:t>
             </a:fld>
             <a:endParaRPr lang="en-US"/>
           </a:p>
@@ -703,7 +703,7 @@
           <a:p>
             <a:fld id="{6B3211B0-62EF-43D9-85C0-6D5722365FD8}" type="datetimeFigureOut">
               <a:rPr lang="en-US" smtClean="0"/>
-              <a:t>4/18/2018</a:t>
+              <a:t>4/19/18</a:t>
             </a:fld>
             <a:endParaRPr lang="en-US"/>
           </a:p>
@@ -901,7 +901,7 @@
           <a:p>
             <a:fld id="{6B3211B0-62EF-43D9-85C0-6D5722365FD8}" type="datetimeFigureOut">
               <a:rPr lang="en-US" smtClean="0"/>
-              <a:t>4/18/2018</a:t>
+              <a:t>4/19/18</a:t>
             </a:fld>
             <a:endParaRPr lang="en-US"/>
           </a:p>
@@ -1176,7 +1176,7 @@
           <a:p>
             <a:fld id="{6B3211B0-62EF-43D9-85C0-6D5722365FD8}" type="datetimeFigureOut">
               <a:rPr lang="en-US" smtClean="0"/>
-              <a:t>4/18/2018</a:t>
+              <a:t>4/19/18</a:t>
             </a:fld>
             <a:endParaRPr lang="en-US"/>
           </a:p>
@@ -1441,7 +1441,7 @@
           <a:p>
             <a:fld id="{6B3211B0-62EF-43D9-85C0-6D5722365FD8}" type="datetimeFigureOut">
               <a:rPr lang="en-US" smtClean="0"/>
-              <a:t>4/18/2018</a:t>
+              <a:t>4/19/18</a:t>
             </a:fld>
             <a:endParaRPr lang="en-US"/>
           </a:p>
@@ -1853,7 +1853,7 @@
           <a:p>
             <a:fld id="{6B3211B0-62EF-43D9-85C0-6D5722365FD8}" type="datetimeFigureOut">
               <a:rPr lang="en-US" smtClean="0"/>
-              <a:t>4/18/2018</a:t>
+              <a:t>4/19/18</a:t>
             </a:fld>
             <a:endParaRPr lang="en-US"/>
           </a:p>
@@ -1994,7 +1994,7 @@
           <a:p>
             <a:fld id="{6B3211B0-62EF-43D9-85C0-6D5722365FD8}" type="datetimeFigureOut">
               <a:rPr lang="en-US" smtClean="0"/>
-              <a:t>4/18/2018</a:t>
+              <a:t>4/19/18</a:t>
             </a:fld>
             <a:endParaRPr lang="en-US"/>
           </a:p>
@@ -2107,7 +2107,7 @@
           <a:p>
             <a:fld id="{6B3211B0-62EF-43D9-85C0-6D5722365FD8}" type="datetimeFigureOut">
               <a:rPr lang="en-US" smtClean="0"/>
-              <a:t>4/18/2018</a:t>
+              <a:t>4/19/18</a:t>
             </a:fld>
             <a:endParaRPr lang="en-US"/>
           </a:p>
@@ -2418,7 +2418,7 @@
           <a:p>
             <a:fld id="{6B3211B0-62EF-43D9-85C0-6D5722365FD8}" type="datetimeFigureOut">
               <a:rPr lang="en-US" smtClean="0"/>
-              <a:t>4/18/2018</a:t>
+              <a:t>4/19/18</a:t>
             </a:fld>
             <a:endParaRPr lang="en-US"/>
           </a:p>
@@ -2706,7 +2706,7 @@
           <a:p>
             <a:fld id="{6B3211B0-62EF-43D9-85C0-6D5722365FD8}" type="datetimeFigureOut">
               <a:rPr lang="en-US" smtClean="0"/>
-              <a:t>4/18/2018</a:t>
+              <a:t>4/19/18</a:t>
             </a:fld>
             <a:endParaRPr lang="en-US"/>
           </a:p>
@@ -2947,7 +2947,7 @@
           <a:p>
             <a:fld id="{6B3211B0-62EF-43D9-85C0-6D5722365FD8}" type="datetimeFigureOut">
               <a:rPr lang="en-US" smtClean="0"/>
-              <a:t>4/18/2018</a:t>
+              <a:t>4/19/18</a:t>
             </a:fld>
             <a:endParaRPr lang="en-US"/>
           </a:p>

--- a/Slides.pptx
+++ b/Slides.pptx
@@ -297,7 +297,7 @@
           <a:p>
             <a:fld id="{6B3211B0-62EF-43D9-85C0-6D5722365FD8}" type="datetimeFigureOut">
               <a:rPr lang="en-US" smtClean="0"/>
-              <a:t>4/19/18</a:t>
+              <a:t>4/20/18</a:t>
             </a:fld>
             <a:endParaRPr lang="en-US"/>
           </a:p>
@@ -495,7 +495,7 @@
           <a:p>
             <a:fld id="{6B3211B0-62EF-43D9-85C0-6D5722365FD8}" type="datetimeFigureOut">
               <a:rPr lang="en-US" smtClean="0"/>
-              <a:t>4/19/18</a:t>
+              <a:t>4/20/18</a:t>
             </a:fld>
             <a:endParaRPr lang="en-US"/>
           </a:p>
@@ -703,7 +703,7 @@
           <a:p>
             <a:fld id="{6B3211B0-62EF-43D9-85C0-6D5722365FD8}" type="datetimeFigureOut">
               <a:rPr lang="en-US" smtClean="0"/>
-              <a:t>4/19/18</a:t>
+              <a:t>4/20/18</a:t>
             </a:fld>
             <a:endParaRPr lang="en-US"/>
           </a:p>
@@ -901,7 +901,7 @@
           <a:p>
             <a:fld id="{6B3211B0-62EF-43D9-85C0-6D5722365FD8}" type="datetimeFigureOut">
               <a:rPr lang="en-US" smtClean="0"/>
-              <a:t>4/19/18</a:t>
+              <a:t>4/20/18</a:t>
             </a:fld>
             <a:endParaRPr lang="en-US"/>
           </a:p>
@@ -1176,7 +1176,7 @@
           <a:p>
             <a:fld id="{6B3211B0-62EF-43D9-85C0-6D5722365FD8}" type="datetimeFigureOut">
               <a:rPr lang="en-US" smtClean="0"/>
-              <a:t>4/19/18</a:t>
+              <a:t>4/20/18</a:t>
             </a:fld>
             <a:endParaRPr lang="en-US"/>
           </a:p>
@@ -1441,7 +1441,7 @@
           <a:p>
             <a:fld id="{6B3211B0-62EF-43D9-85C0-6D5722365FD8}" type="datetimeFigureOut">
               <a:rPr lang="en-US" smtClean="0"/>
-              <a:t>4/19/18</a:t>
+              <a:t>4/20/18</a:t>
             </a:fld>
             <a:endParaRPr lang="en-US"/>
           </a:p>
@@ -1853,7 +1853,7 @@
           <a:p>
             <a:fld id="{6B3211B0-62EF-43D9-85C0-6D5722365FD8}" type="datetimeFigureOut">
               <a:rPr lang="en-US" smtClean="0"/>
-              <a:t>4/19/18</a:t>
+              <a:t>4/20/18</a:t>
             </a:fld>
             <a:endParaRPr lang="en-US"/>
           </a:p>
@@ -1994,7 +1994,7 @@
           <a:p>
             <a:fld id="{6B3211B0-62EF-43D9-85C0-6D5722365FD8}" type="datetimeFigureOut">
               <a:rPr lang="en-US" smtClean="0"/>
-              <a:t>4/19/18</a:t>
+              <a:t>4/20/18</a:t>
             </a:fld>
             <a:endParaRPr lang="en-US"/>
           </a:p>
@@ -2107,7 +2107,7 @@
           <a:p>
             <a:fld id="{6B3211B0-62EF-43D9-85C0-6D5722365FD8}" type="datetimeFigureOut">
               <a:rPr lang="en-US" smtClean="0"/>
-              <a:t>4/19/18</a:t>
+              <a:t>4/20/18</a:t>
             </a:fld>
             <a:endParaRPr lang="en-US"/>
           </a:p>
@@ -2418,7 +2418,7 @@
           <a:p>
             <a:fld id="{6B3211B0-62EF-43D9-85C0-6D5722365FD8}" type="datetimeFigureOut">
               <a:rPr lang="en-US" smtClean="0"/>
-              <a:t>4/19/18</a:t>
+              <a:t>4/20/18</a:t>
             </a:fld>
             <a:endParaRPr lang="en-US"/>
           </a:p>
@@ -2706,7 +2706,7 @@
           <a:p>
             <a:fld id="{6B3211B0-62EF-43D9-85C0-6D5722365FD8}" type="datetimeFigureOut">
               <a:rPr lang="en-US" smtClean="0"/>
-              <a:t>4/19/18</a:t>
+              <a:t>4/20/18</a:t>
             </a:fld>
             <a:endParaRPr lang="en-US"/>
           </a:p>
@@ -2947,7 +2947,7 @@
           <a:p>
             <a:fld id="{6B3211B0-62EF-43D9-85C0-6D5722365FD8}" type="datetimeFigureOut">
               <a:rPr lang="en-US" smtClean="0"/>
-              <a:t>4/19/18</a:t>
+              <a:t>4/20/18</a:t>
             </a:fld>
             <a:endParaRPr lang="en-US"/>
           </a:p>
@@ -3566,6 +3566,295 @@
           <a:chExt cx="0" cy="0"/>
         </a:xfrm>
       </p:grpSpPr>
+      <p:grpSp>
+        <p:nvGrpSpPr>
+          <p:cNvPr id="39" name="Group 38">
+            <a:extLst>
+              <a:ext uri="{FF2B5EF4-FFF2-40B4-BE49-F238E27FC236}">
+                <a16:creationId xmlns:a16="http://schemas.microsoft.com/office/drawing/2014/main" id="{FA7E3829-9CFD-B347-91DD-D1C1FC5E785E}"/>
+              </a:ext>
+            </a:extLst>
+          </p:cNvPr>
+          <p:cNvGrpSpPr/>
+          <p:nvPr/>
+        </p:nvGrpSpPr>
+        <p:grpSpPr>
+          <a:xfrm>
+            <a:off x="3356447" y="4286913"/>
+            <a:ext cx="2641128" cy="1844597"/>
+            <a:chOff x="3356447" y="4609777"/>
+            <a:chExt cx="2641128" cy="1844597"/>
+          </a:xfrm>
+        </p:grpSpPr>
+        <p:pic>
+          <p:nvPicPr>
+            <p:cNvPr id="17" name="Picture 16">
+              <a:extLst>
+                <a:ext uri="{FF2B5EF4-FFF2-40B4-BE49-F238E27FC236}">
+                  <a16:creationId xmlns:a16="http://schemas.microsoft.com/office/drawing/2014/main" id="{46B595A7-CDB5-1849-9DB3-4607B33F49EC}"/>
+                </a:ext>
+              </a:extLst>
+            </p:cNvPr>
+            <p:cNvPicPr>
+              <a:picLocks noChangeAspect="1"/>
+            </p:cNvPicPr>
+            <p:nvPr/>
+          </p:nvPicPr>
+          <p:blipFill>
+            <a:blip r:embed="rId2">
+              <a:extLst>
+                <a:ext uri="{28A0092B-C50C-407E-A947-70E740481C1C}">
+                  <a14:useLocalDpi xmlns:a14="http://schemas.microsoft.com/office/drawing/2010/main" val="0"/>
+                </a:ext>
+              </a:extLst>
+            </a:blip>
+            <a:stretch>
+              <a:fillRect/>
+            </a:stretch>
+          </p:blipFill>
+          <p:spPr>
+            <a:xfrm>
+              <a:off x="3356447" y="4609777"/>
+              <a:ext cx="2641128" cy="1844597"/>
+            </a:xfrm>
+            <a:prstGeom prst="rect">
+              <a:avLst/>
+            </a:prstGeom>
+          </p:spPr>
+        </p:pic>
+        <p:sp>
+          <p:nvSpPr>
+            <p:cNvPr id="20" name="TextBox 19">
+              <a:extLst>
+                <a:ext uri="{FF2B5EF4-FFF2-40B4-BE49-F238E27FC236}">
+                  <a16:creationId xmlns:a16="http://schemas.microsoft.com/office/drawing/2014/main" id="{A9A391B4-3401-3E4E-B076-F6425DC5D47C}"/>
+                </a:ext>
+              </a:extLst>
+            </p:cNvPr>
+            <p:cNvSpPr txBox="1"/>
+            <p:nvPr/>
+          </p:nvSpPr>
+          <p:spPr>
+            <a:xfrm>
+              <a:off x="5093429" y="5070410"/>
+              <a:ext cx="762388" cy="646331"/>
+            </a:xfrm>
+            <a:prstGeom prst="rect">
+              <a:avLst/>
+            </a:prstGeom>
+            <a:noFill/>
+          </p:spPr>
+          <p:txBody>
+            <a:bodyPr wrap="none" rtlCol="0">
+              <a:spAutoFit/>
+            </a:bodyPr>
+            <a:lstStyle/>
+            <a:p>
+              <a:pPr algn="ctr"/>
+              <a:r>
+                <a:rPr lang="en-US" sz="1200" b="1" dirty="0">
+                  <a:solidFill>
+                    <a:schemeClr val="accent6"/>
+                  </a:solidFill>
+                </a:rPr>
+                <a:t>Potential</a:t>
+              </a:r>
+            </a:p>
+            <a:p>
+              <a:pPr algn="ctr"/>
+              <a:r>
+                <a:rPr lang="en-US" sz="1200" b="1" dirty="0">
+                  <a:solidFill>
+                    <a:schemeClr val="accent6"/>
+                  </a:solidFill>
+                </a:rPr>
+                <a:t>Score</a:t>
+              </a:r>
+            </a:p>
+            <a:p>
+              <a:pPr algn="ctr"/>
+              <a:r>
+                <a:rPr lang="en-US" sz="1200" b="1" dirty="0">
+                  <a:solidFill>
+                    <a:schemeClr val="accent6"/>
+                  </a:solidFill>
+                </a:rPr>
+                <a:t>Wasted</a:t>
+              </a:r>
+            </a:p>
+          </p:txBody>
+        </p:sp>
+        <p:sp>
+          <p:nvSpPr>
+            <p:cNvPr id="21" name="TextBox 20">
+              <a:extLst>
+                <a:ext uri="{FF2B5EF4-FFF2-40B4-BE49-F238E27FC236}">
+                  <a16:creationId xmlns:a16="http://schemas.microsoft.com/office/drawing/2014/main" id="{FF3E6A10-EAE0-E049-959E-371DD766B72C}"/>
+                </a:ext>
+              </a:extLst>
+            </p:cNvPr>
+            <p:cNvSpPr txBox="1"/>
+            <p:nvPr/>
+          </p:nvSpPr>
+          <p:spPr>
+            <a:xfrm>
+              <a:off x="3743028" y="5070410"/>
+              <a:ext cx="840165" cy="646331"/>
+            </a:xfrm>
+            <a:prstGeom prst="rect">
+              <a:avLst/>
+            </a:prstGeom>
+            <a:noFill/>
+          </p:spPr>
+          <p:txBody>
+            <a:bodyPr wrap="none" rtlCol="0">
+              <a:spAutoFit/>
+            </a:bodyPr>
+            <a:lstStyle/>
+            <a:p>
+              <a:pPr algn="ctr"/>
+              <a:r>
+                <a:rPr lang="en-US" sz="1200" b="1" dirty="0">
+                  <a:solidFill>
+                    <a:srgbClr val="FF0000"/>
+                  </a:solidFill>
+                </a:rPr>
+                <a:t>Incorrect</a:t>
+              </a:r>
+            </a:p>
+            <a:p>
+              <a:pPr algn="ctr"/>
+              <a:r>
+                <a:rPr lang="en-US" sz="1200" b="1" dirty="0">
+                  <a:solidFill>
+                    <a:srgbClr val="FF0000"/>
+                  </a:solidFill>
+                </a:rPr>
+                <a:t>Prediction</a:t>
+              </a:r>
+            </a:p>
+            <a:p>
+              <a:pPr algn="ctr"/>
+              <a:r>
+                <a:rPr lang="en-US" sz="1200" b="1" dirty="0">
+                  <a:solidFill>
+                    <a:srgbClr val="FF0000"/>
+                  </a:solidFill>
+                </a:rPr>
+                <a:t>Penalties</a:t>
+              </a:r>
+            </a:p>
+          </p:txBody>
+        </p:sp>
+        <p:sp>
+          <p:nvSpPr>
+            <p:cNvPr id="26" name="Rectangle 25">
+              <a:extLst>
+                <a:ext uri="{FF2B5EF4-FFF2-40B4-BE49-F238E27FC236}">
+                  <a16:creationId xmlns:a16="http://schemas.microsoft.com/office/drawing/2014/main" id="{6AE33A61-59E8-5241-8167-FA4E0659231A}"/>
+                </a:ext>
+              </a:extLst>
+            </p:cNvPr>
+            <p:cNvSpPr/>
+            <p:nvPr/>
+          </p:nvSpPr>
+          <p:spPr>
+            <a:xfrm>
+              <a:off x="4881453" y="4772025"/>
+              <a:ext cx="1043097" cy="1523999"/>
+            </a:xfrm>
+            <a:prstGeom prst="rect">
+              <a:avLst/>
+            </a:prstGeom>
+            <a:solidFill>
+              <a:schemeClr val="accent6">
+                <a:alpha val="30000"/>
+              </a:schemeClr>
+            </a:solidFill>
+            <a:ln>
+              <a:noFill/>
+            </a:ln>
+          </p:spPr>
+          <p:style>
+            <a:lnRef idx="2">
+              <a:schemeClr val="accent1">
+                <a:shade val="50000"/>
+              </a:schemeClr>
+            </a:lnRef>
+            <a:fillRef idx="1">
+              <a:schemeClr val="accent1"/>
+            </a:fillRef>
+            <a:effectRef idx="0">
+              <a:schemeClr val="accent1"/>
+            </a:effectRef>
+            <a:fontRef idx="minor">
+              <a:schemeClr val="lt1"/>
+            </a:fontRef>
+          </p:style>
+          <p:txBody>
+            <a:bodyPr rtlCol="0" anchor="ctr"/>
+            <a:lstStyle/>
+            <a:p>
+              <a:pPr algn="ctr"/>
+              <a:endParaRPr lang="en-US"/>
+            </a:p>
+          </p:txBody>
+        </p:sp>
+        <p:sp>
+          <p:nvSpPr>
+            <p:cNvPr id="25" name="Rectangle 24">
+              <a:extLst>
+                <a:ext uri="{FF2B5EF4-FFF2-40B4-BE49-F238E27FC236}">
+                  <a16:creationId xmlns:a16="http://schemas.microsoft.com/office/drawing/2014/main" id="{135E032A-B0FC-FE41-888B-AD2A401B1D9A}"/>
+                </a:ext>
+              </a:extLst>
+            </p:cNvPr>
+            <p:cNvSpPr/>
+            <p:nvPr/>
+          </p:nvSpPr>
+          <p:spPr>
+            <a:xfrm>
+              <a:off x="3590926" y="4772025"/>
+              <a:ext cx="1201878" cy="1523999"/>
+            </a:xfrm>
+            <a:prstGeom prst="rect">
+              <a:avLst/>
+            </a:prstGeom>
+            <a:solidFill>
+              <a:srgbClr val="FF0000">
+                <a:alpha val="30000"/>
+              </a:srgbClr>
+            </a:solidFill>
+            <a:ln>
+              <a:noFill/>
+            </a:ln>
+          </p:spPr>
+          <p:style>
+            <a:lnRef idx="2">
+              <a:schemeClr val="accent1">
+                <a:shade val="50000"/>
+              </a:schemeClr>
+            </a:lnRef>
+            <a:fillRef idx="1">
+              <a:schemeClr val="accent1"/>
+            </a:fillRef>
+            <a:effectRef idx="0">
+              <a:schemeClr val="accent1"/>
+            </a:effectRef>
+            <a:fontRef idx="minor">
+              <a:schemeClr val="lt1"/>
+            </a:fontRef>
+          </p:style>
+          <p:txBody>
+            <a:bodyPr rtlCol="0" anchor="ctr"/>
+            <a:lstStyle/>
+            <a:p>
+              <a:pPr algn="ctr"/>
+              <a:endParaRPr lang="en-US"/>
+            </a:p>
+          </p:txBody>
+        </p:sp>
+      </p:grpSp>
       <p:sp>
         <p:nvSpPr>
           <p:cNvPr id="3" name="Text Placeholder 2">
@@ -3584,17 +3873,19 @@
         </p:nvSpPr>
         <p:spPr>
           <a:xfrm>
-            <a:off x="839788" y="256381"/>
-            <a:ext cx="5157787" cy="823912"/>
+            <a:off x="717551" y="245346"/>
+            <a:ext cx="5157787" cy="551965"/>
           </a:xfrm>
         </p:spPr>
         <p:txBody>
-          <a:bodyPr/>
+          <a:bodyPr>
+            <a:noAutofit/>
+          </a:bodyPr>
           <a:lstStyle/>
           <a:p>
             <a:pPr algn="ctr"/>
             <a:r>
-              <a:rPr lang="en-US" dirty="0"/>
+              <a:rPr lang="en-US" sz="3600" dirty="0"/>
               <a:t>BETTING</a:t>
             </a:r>
           </a:p>
@@ -3602,135 +3893,1772 @@
       </p:sp>
       <p:sp>
         <p:nvSpPr>
-          <p:cNvPr id="4" name="Content Placeholder 3">
-            <a:extLst>
-              <a:ext uri="{FF2B5EF4-FFF2-40B4-BE49-F238E27FC236}">
-                <a16:creationId xmlns:a16="http://schemas.microsoft.com/office/drawing/2014/main" id="{1199A0A1-13CB-48A5-A633-30ED4DE14C3B}"/>
-              </a:ext>
-            </a:extLst>
-          </p:cNvPr>
-          <p:cNvSpPr>
-            <a:spLocks noGrp="1"/>
-          </p:cNvSpPr>
-          <p:nvPr>
-            <p:ph sz="half" idx="2"/>
+          <p:cNvPr id="5" name="Text Placeholder 4">
+            <a:extLst>
+              <a:ext uri="{FF2B5EF4-FFF2-40B4-BE49-F238E27FC236}">
+                <a16:creationId xmlns:a16="http://schemas.microsoft.com/office/drawing/2014/main" id="{7AA54A63-ED65-47B0-9BB9-C546BC6935D3}"/>
+              </a:ext>
+            </a:extLst>
+          </p:cNvPr>
+          <p:cNvSpPr>
+            <a:spLocks noGrp="1"/>
+          </p:cNvSpPr>
+          <p:nvPr>
+            <p:ph type="body" sz="quarter" idx="3"/>
           </p:nvPr>
         </p:nvSpPr>
         <p:spPr>
           <a:xfrm>
-            <a:off x="839788" y="1080293"/>
-            <a:ext cx="5157787" cy="5109370"/>
+            <a:off x="6463319" y="248602"/>
+            <a:ext cx="5183188" cy="551965"/>
           </a:xfrm>
         </p:spPr>
         <p:txBody>
-          <a:bodyPr/>
+          <a:bodyPr>
+            <a:noAutofit/>
+          </a:bodyPr>
           <a:lstStyle/>
           <a:p>
-            <a:r>
-              <a:rPr lang="en-US" dirty="0"/>
-              <a:t>Bet distributions</a:t>
-            </a:r>
-          </a:p>
-          <a:p>
-            <a:r>
-              <a:rPr lang="en-US" dirty="0"/>
-              <a:t>Histogram</a:t>
-            </a:r>
-          </a:p>
-          <a:p>
-            <a:r>
-              <a:rPr lang="en-US" dirty="0"/>
-              <a:t>Tricks – Bets (conservatism)</a:t>
-            </a:r>
-          </a:p>
-          <a:p>
-            <a:endParaRPr lang="en-US" dirty="0"/>
-          </a:p>
-        </p:txBody>
-      </p:sp>
-      <p:sp>
-        <p:nvSpPr>
-          <p:cNvPr id="5" name="Text Placeholder 4">
-            <a:extLst>
-              <a:ext uri="{FF2B5EF4-FFF2-40B4-BE49-F238E27FC236}">
-                <a16:creationId xmlns:a16="http://schemas.microsoft.com/office/drawing/2014/main" id="{7AA54A63-ED65-47B0-9BB9-C546BC6935D3}"/>
-              </a:ext>
-            </a:extLst>
-          </p:cNvPr>
-          <p:cNvSpPr>
-            <a:spLocks noGrp="1"/>
-          </p:cNvSpPr>
-          <p:nvPr>
-            <p:ph type="body" sz="quarter" idx="3"/>
-          </p:nvPr>
-        </p:nvSpPr>
+            <a:pPr algn="ctr"/>
+            <a:r>
+              <a:rPr lang="en-US" sz="3600" dirty="0"/>
+              <a:t>PLAYING</a:t>
+            </a:r>
+          </a:p>
+        </p:txBody>
+      </p:sp>
+      <p:graphicFrame>
+        <p:nvGraphicFramePr>
+          <p:cNvPr id="2" name="Table 1">
+            <a:extLst>
+              <a:ext uri="{FF2B5EF4-FFF2-40B4-BE49-F238E27FC236}">
+                <a16:creationId xmlns:a16="http://schemas.microsoft.com/office/drawing/2014/main" id="{A058E68C-9508-4F4E-9C25-B405D5E8BD2C}"/>
+              </a:ext>
+            </a:extLst>
+          </p:cNvPr>
+          <p:cNvGraphicFramePr>
+            <a:graphicFrameLocks noGrp="1"/>
+          </p:cNvGraphicFramePr>
+          <p:nvPr>
+            <p:extLst>
+              <p:ext uri="{D42A27DB-BD31-4B8C-83A1-F6EECF244321}">
+                <p14:modId xmlns:p14="http://schemas.microsoft.com/office/powerpoint/2010/main" val="2881930872"/>
+              </p:ext>
+            </p:extLst>
+          </p:nvPr>
+        </p:nvGraphicFramePr>
+        <p:xfrm>
+          <a:off x="6426014" y="2064999"/>
+          <a:ext cx="5257799" cy="869889"/>
+        </p:xfrm>
+        <a:graphic>
+          <a:graphicData uri="http://schemas.openxmlformats.org/drawingml/2006/table">
+            <a:tbl>
+              <a:tblPr firstRow="1" firstCol="1">
+                <a:tableStyleId>{85BE263C-DBD7-4A20-BB59-AAB30ACAA65A}</a:tableStyleId>
+              </a:tblPr>
+              <a:tblGrid>
+                <a:gridCol w="1362408">
+                  <a:extLst>
+                    <a:ext uri="{9D8B030D-6E8A-4147-A177-3AD203B41FA5}">
+                      <a16:colId xmlns:a16="http://schemas.microsoft.com/office/drawing/2014/main" val="431313650"/>
+                    </a:ext>
+                  </a:extLst>
+                </a:gridCol>
+                <a:gridCol w="769593">
+                  <a:extLst>
+                    <a:ext uri="{9D8B030D-6E8A-4147-A177-3AD203B41FA5}">
+                      <a16:colId xmlns:a16="http://schemas.microsoft.com/office/drawing/2014/main" val="1412401233"/>
+                    </a:ext>
+                  </a:extLst>
+                </a:gridCol>
+                <a:gridCol w="986448">
+                  <a:extLst>
+                    <a:ext uri="{9D8B030D-6E8A-4147-A177-3AD203B41FA5}">
+                      <a16:colId xmlns:a16="http://schemas.microsoft.com/office/drawing/2014/main" val="4018041041"/>
+                    </a:ext>
+                  </a:extLst>
+                </a:gridCol>
+                <a:gridCol w="1160720">
+                  <a:extLst>
+                    <a:ext uri="{9D8B030D-6E8A-4147-A177-3AD203B41FA5}">
+                      <a16:colId xmlns:a16="http://schemas.microsoft.com/office/drawing/2014/main" val="283350264"/>
+                    </a:ext>
+                  </a:extLst>
+                </a:gridCol>
+                <a:gridCol w="978630">
+                  <a:extLst>
+                    <a:ext uri="{9D8B030D-6E8A-4147-A177-3AD203B41FA5}">
+                      <a16:colId xmlns:a16="http://schemas.microsoft.com/office/drawing/2014/main" val="3692156701"/>
+                    </a:ext>
+                  </a:extLst>
+                </a:gridCol>
+              </a:tblGrid>
+              <a:tr h="212038">
+                <a:tc>
+                  <a:txBody>
+                    <a:bodyPr/>
+                    <a:lstStyle/>
+                    <a:p>
+                      <a:pPr algn="ctr" fontAlgn="b"/>
+                      <a:endParaRPr lang="en-CA" sz="1400" b="0" i="0" u="none" strike="noStrike" dirty="0">
+                        <a:solidFill>
+                          <a:srgbClr val="000000"/>
+                        </a:solidFill>
+                        <a:effectLst/>
+                        <a:latin typeface="Calibri" panose="020F0502020204030204" pitchFamily="34" charset="0"/>
+                      </a:endParaRPr>
+                    </a:p>
+                  </a:txBody>
+                  <a:tcPr marL="9525" marR="9525" marT="9525" marB="0" anchor="b"/>
+                </a:tc>
+                <a:tc>
+                  <a:txBody>
+                    <a:bodyPr/>
+                    <a:lstStyle/>
+                    <a:p>
+                      <a:pPr algn="ctr" fontAlgn="b"/>
+                      <a:r>
+                        <a:rPr lang="en-CA" sz="1400" u="none" strike="noStrike" dirty="0">
+                          <a:effectLst/>
+                        </a:rPr>
+                        <a:t>Random</a:t>
+                      </a:r>
+                      <a:endParaRPr lang="en-CA" sz="1400" b="0" i="0" u="none" strike="noStrike" dirty="0">
+                        <a:solidFill>
+                          <a:srgbClr val="000000"/>
+                        </a:solidFill>
+                        <a:effectLst/>
+                        <a:latin typeface="Calibri" panose="020F0502020204030204" pitchFamily="34" charset="0"/>
+                      </a:endParaRPr>
+                    </a:p>
+                  </a:txBody>
+                  <a:tcPr marL="9525" marR="9525" marT="9525" marB="0" anchor="b"/>
+                </a:tc>
+                <a:tc>
+                  <a:txBody>
+                    <a:bodyPr/>
+                    <a:lstStyle/>
+                    <a:p>
+                      <a:pPr algn="ctr" fontAlgn="b"/>
+                      <a:r>
+                        <a:rPr lang="en-CA" sz="1400" u="none" strike="noStrike" dirty="0">
+                          <a:effectLst/>
+                        </a:rPr>
+                        <a:t>Greedy*</a:t>
+                      </a:r>
+                      <a:endParaRPr lang="en-CA" sz="1400" b="0" i="0" u="none" strike="noStrike" dirty="0">
+                        <a:solidFill>
+                          <a:srgbClr val="000000"/>
+                        </a:solidFill>
+                        <a:effectLst/>
+                        <a:latin typeface="Calibri" panose="020F0502020204030204" pitchFamily="34" charset="0"/>
+                      </a:endParaRPr>
+                    </a:p>
+                  </a:txBody>
+                  <a:tcPr marL="9525" marR="9525" marT="9525" marB="0" anchor="b"/>
+                </a:tc>
+                <a:tc>
+                  <a:txBody>
+                    <a:bodyPr/>
+                    <a:lstStyle/>
+                    <a:p>
+                      <a:pPr algn="ctr" fontAlgn="b"/>
+                      <a:r>
+                        <a:rPr lang="en-CA" sz="1400" u="none" strike="noStrike" dirty="0">
+                          <a:effectLst/>
+                        </a:rPr>
+                        <a:t>Heuristic*</a:t>
+                      </a:r>
+                      <a:endParaRPr lang="en-CA" sz="1400" b="0" i="0" u="none" strike="noStrike" dirty="0">
+                        <a:solidFill>
+                          <a:srgbClr val="000000"/>
+                        </a:solidFill>
+                        <a:effectLst/>
+                        <a:latin typeface="Calibri" panose="020F0502020204030204" pitchFamily="34" charset="0"/>
+                      </a:endParaRPr>
+                    </a:p>
+                  </a:txBody>
+                  <a:tcPr marL="9525" marR="9525" marT="9525" marB="0" anchor="b"/>
+                </a:tc>
+                <a:tc>
+                  <a:txBody>
+                    <a:bodyPr/>
+                    <a:lstStyle/>
+                    <a:p>
+                      <a:pPr algn="ctr" fontAlgn="b"/>
+                      <a:r>
+                        <a:rPr lang="en-CA" sz="1400" u="none" strike="noStrike" dirty="0">
+                          <a:effectLst/>
+                        </a:rPr>
+                        <a:t>NN + RL</a:t>
+                      </a:r>
+                      <a:endParaRPr lang="en-CA" sz="1400" b="0" i="0" u="none" strike="noStrike" dirty="0">
+                        <a:solidFill>
+                          <a:srgbClr val="000000"/>
+                        </a:solidFill>
+                        <a:effectLst/>
+                        <a:latin typeface="Calibri" panose="020F0502020204030204" pitchFamily="34" charset="0"/>
+                      </a:endParaRPr>
+                    </a:p>
+                  </a:txBody>
+                  <a:tcPr marL="9525" marR="9525" marT="9525" marB="0" anchor="b"/>
+                </a:tc>
+                <a:extLst>
+                  <a:ext uri="{0D108BD9-81ED-4DB2-BD59-A6C34878D82A}">
+                    <a16:rowId xmlns:a16="http://schemas.microsoft.com/office/drawing/2014/main" val="1271965123"/>
+                  </a:ext>
+                </a:extLst>
+              </a:tr>
+              <a:tr h="327826">
+                <a:tc>
+                  <a:txBody>
+                    <a:bodyPr/>
+                    <a:lstStyle/>
+                    <a:p>
+                      <a:pPr algn="ctr" fontAlgn="b"/>
+                      <a:r>
+                        <a:rPr lang="en-CA" sz="1400" u="none" strike="noStrike" dirty="0">
+                          <a:effectLst/>
+                        </a:rPr>
+                        <a:t>Heuristic* Win %</a:t>
+                      </a:r>
+                      <a:endParaRPr lang="en-CA" sz="1400" b="0" i="0" u="none" strike="noStrike" dirty="0">
+                        <a:solidFill>
+                          <a:srgbClr val="000000"/>
+                        </a:solidFill>
+                        <a:effectLst/>
+                        <a:latin typeface="Calibri" panose="020F0502020204030204" pitchFamily="34" charset="0"/>
+                      </a:endParaRPr>
+                    </a:p>
+                  </a:txBody>
+                  <a:tcPr marL="9525" marR="9525" marT="9525" marB="0" anchor="ctr">
+                    <a:lnB w="12700" cap="flat" cmpd="sng" algn="ctr">
+                      <a:solidFill>
+                        <a:schemeClr val="tx1"/>
+                      </a:solidFill>
+                      <a:prstDash val="solid"/>
+                      <a:round/>
+                      <a:headEnd type="none" w="med" len="med"/>
+                      <a:tailEnd type="none" w="med" len="med"/>
+                    </a:lnB>
+                  </a:tcPr>
+                </a:tc>
+                <a:tc>
+                  <a:txBody>
+                    <a:bodyPr/>
+                    <a:lstStyle/>
+                    <a:p>
+                      <a:pPr algn="ctr" fontAlgn="b"/>
+                      <a:r>
+                        <a:rPr lang="en-CA" sz="1400" u="none" strike="noStrike" dirty="0">
+                          <a:effectLst/>
+                        </a:rPr>
+                        <a:t>100</a:t>
+                      </a:r>
+                      <a:endParaRPr lang="en-CA" sz="1400" b="0" i="0" u="none" strike="noStrike" dirty="0">
+                        <a:solidFill>
+                          <a:srgbClr val="000000"/>
+                        </a:solidFill>
+                        <a:effectLst/>
+                        <a:latin typeface="Calibri" panose="020F0502020204030204" pitchFamily="34" charset="0"/>
+                      </a:endParaRPr>
+                    </a:p>
+                  </a:txBody>
+                  <a:tcPr marL="9525" marR="9525" marT="9525" marB="0" anchor="ctr">
+                    <a:lnB w="12700" cap="flat" cmpd="sng" algn="ctr">
+                      <a:solidFill>
+                        <a:schemeClr val="tx1"/>
+                      </a:solidFill>
+                      <a:prstDash val="solid"/>
+                      <a:round/>
+                      <a:headEnd type="none" w="med" len="med"/>
+                      <a:tailEnd type="none" w="med" len="med"/>
+                    </a:lnB>
+                  </a:tcPr>
+                </a:tc>
+                <a:tc>
+                  <a:txBody>
+                    <a:bodyPr/>
+                    <a:lstStyle/>
+                    <a:p>
+                      <a:pPr algn="ctr" fontAlgn="b"/>
+                      <a:r>
+                        <a:rPr lang="en-CA" sz="1400" u="none" strike="noStrike" dirty="0">
+                          <a:effectLst/>
+                        </a:rPr>
+                        <a:t>100</a:t>
+                      </a:r>
+                      <a:endParaRPr lang="en-CA" sz="1400" b="0" i="0" u="none" strike="noStrike" dirty="0">
+                        <a:solidFill>
+                          <a:srgbClr val="000000"/>
+                        </a:solidFill>
+                        <a:effectLst/>
+                        <a:latin typeface="Calibri" panose="020F0502020204030204" pitchFamily="34" charset="0"/>
+                      </a:endParaRPr>
+                    </a:p>
+                  </a:txBody>
+                  <a:tcPr marL="9525" marR="9525" marT="9525" marB="0" anchor="ctr">
+                    <a:lnB w="12700" cap="flat" cmpd="sng" algn="ctr">
+                      <a:solidFill>
+                        <a:schemeClr val="tx1"/>
+                      </a:solidFill>
+                      <a:prstDash val="solid"/>
+                      <a:round/>
+                      <a:headEnd type="none" w="med" len="med"/>
+                      <a:tailEnd type="none" w="med" len="med"/>
+                    </a:lnB>
+                  </a:tcPr>
+                </a:tc>
+                <a:tc>
+                  <a:txBody>
+                    <a:bodyPr/>
+                    <a:lstStyle/>
+                    <a:p>
+                      <a:pPr algn="ctr" fontAlgn="b"/>
+                      <a:endParaRPr lang="en-CA" sz="1400" b="0" i="0" u="none" strike="noStrike" dirty="0">
+                        <a:solidFill>
+                          <a:srgbClr val="000000"/>
+                        </a:solidFill>
+                        <a:effectLst/>
+                        <a:latin typeface="Calibri" panose="020F0502020204030204" pitchFamily="34" charset="0"/>
+                      </a:endParaRPr>
+                    </a:p>
+                  </a:txBody>
+                  <a:tcPr marL="9525" marR="9525" marT="9525" marB="0" anchor="ctr">
+                    <a:lnB w="12700" cap="flat" cmpd="sng" algn="ctr">
+                      <a:solidFill>
+                        <a:schemeClr val="tx1"/>
+                      </a:solidFill>
+                      <a:prstDash val="solid"/>
+                      <a:round/>
+                      <a:headEnd type="none" w="med" len="med"/>
+                      <a:tailEnd type="none" w="med" len="med"/>
+                    </a:lnB>
+                  </a:tcPr>
+                </a:tc>
+                <a:tc>
+                  <a:txBody>
+                    <a:bodyPr/>
+                    <a:lstStyle/>
+                    <a:p>
+                      <a:pPr algn="ctr" fontAlgn="b"/>
+                      <a:r>
+                        <a:rPr lang="en-CA" sz="1400" u="none" strike="noStrike" dirty="0">
+                          <a:effectLst/>
+                        </a:rPr>
+                        <a:t>10.5</a:t>
+                      </a:r>
+                      <a:endParaRPr lang="en-CA" sz="1400" b="0" i="0" u="none" strike="noStrike" dirty="0">
+                        <a:solidFill>
+                          <a:srgbClr val="000000"/>
+                        </a:solidFill>
+                        <a:effectLst/>
+                        <a:latin typeface="Calibri" panose="020F0502020204030204" pitchFamily="34" charset="0"/>
+                      </a:endParaRPr>
+                    </a:p>
+                  </a:txBody>
+                  <a:tcPr marL="9525" marR="9525" marT="9525" marB="0" anchor="ctr">
+                    <a:lnB w="12700" cap="flat" cmpd="sng" algn="ctr">
+                      <a:solidFill>
+                        <a:schemeClr val="tx1"/>
+                      </a:solidFill>
+                      <a:prstDash val="solid"/>
+                      <a:round/>
+                      <a:headEnd type="none" w="med" len="med"/>
+                      <a:tailEnd type="none" w="med" len="med"/>
+                    </a:lnB>
+                  </a:tcPr>
+                </a:tc>
+                <a:extLst>
+                  <a:ext uri="{0D108BD9-81ED-4DB2-BD59-A6C34878D82A}">
+                    <a16:rowId xmlns:a16="http://schemas.microsoft.com/office/drawing/2014/main" val="3119570728"/>
+                  </a:ext>
+                </a:extLst>
+              </a:tr>
+              <a:tr h="319178">
+                <a:tc>
+                  <a:txBody>
+                    <a:bodyPr/>
+                    <a:lstStyle/>
+                    <a:p>
+                      <a:pPr algn="ctr" fontAlgn="b"/>
+                      <a:r>
+                        <a:rPr lang="en-CA" sz="1400" u="none" strike="noStrike" dirty="0">
+                          <a:effectLst/>
+                        </a:rPr>
+                        <a:t>NN + RL Win %</a:t>
+                      </a:r>
+                      <a:endParaRPr lang="en-CA" sz="1400" b="0" i="0" u="none" strike="noStrike" dirty="0">
+                        <a:solidFill>
+                          <a:srgbClr val="000000"/>
+                        </a:solidFill>
+                        <a:effectLst/>
+                        <a:latin typeface="Calibri" panose="020F0502020204030204" pitchFamily="34" charset="0"/>
+                      </a:endParaRPr>
+                    </a:p>
+                  </a:txBody>
+                  <a:tcPr marL="9525" marR="9525" marT="9525" marB="0" anchor="ctr">
+                    <a:lnT w="12700" cap="flat" cmpd="sng" algn="ctr">
+                      <a:solidFill>
+                        <a:schemeClr val="tx1"/>
+                      </a:solidFill>
+                      <a:prstDash val="solid"/>
+                      <a:round/>
+                      <a:headEnd type="none" w="med" len="med"/>
+                      <a:tailEnd type="none" w="med" len="med"/>
+                    </a:lnT>
+                  </a:tcPr>
+                </a:tc>
+                <a:tc>
+                  <a:txBody>
+                    <a:bodyPr/>
+                    <a:lstStyle/>
+                    <a:p>
+                      <a:pPr algn="ctr" fontAlgn="b"/>
+                      <a:r>
+                        <a:rPr lang="en-CA" sz="1400" u="none" strike="noStrike" dirty="0">
+                          <a:effectLst/>
+                        </a:rPr>
+                        <a:t>100</a:t>
+                      </a:r>
+                      <a:endParaRPr lang="en-CA" sz="1400" b="0" i="0" u="none" strike="noStrike" dirty="0">
+                        <a:solidFill>
+                          <a:srgbClr val="000000"/>
+                        </a:solidFill>
+                        <a:effectLst/>
+                        <a:latin typeface="Calibri" panose="020F0502020204030204" pitchFamily="34" charset="0"/>
+                      </a:endParaRPr>
+                    </a:p>
+                  </a:txBody>
+                  <a:tcPr marL="9525" marR="9525" marT="9525" marB="0" anchor="ctr">
+                    <a:lnT w="12700" cap="flat" cmpd="sng" algn="ctr">
+                      <a:solidFill>
+                        <a:schemeClr val="tx1"/>
+                      </a:solidFill>
+                      <a:prstDash val="solid"/>
+                      <a:round/>
+                      <a:headEnd type="none" w="med" len="med"/>
+                      <a:tailEnd type="none" w="med" len="med"/>
+                    </a:lnT>
+                  </a:tcPr>
+                </a:tc>
+                <a:tc>
+                  <a:txBody>
+                    <a:bodyPr/>
+                    <a:lstStyle/>
+                    <a:p>
+                      <a:pPr algn="ctr" fontAlgn="b"/>
+                      <a:r>
+                        <a:rPr lang="en-CA" sz="1400" u="none" strike="noStrike" dirty="0">
+                          <a:effectLst/>
+                        </a:rPr>
+                        <a:t>100</a:t>
+                      </a:r>
+                      <a:endParaRPr lang="en-CA" sz="1400" b="0" i="0" u="none" strike="noStrike" dirty="0">
+                        <a:solidFill>
+                          <a:srgbClr val="000000"/>
+                        </a:solidFill>
+                        <a:effectLst/>
+                        <a:latin typeface="Calibri" panose="020F0502020204030204" pitchFamily="34" charset="0"/>
+                      </a:endParaRPr>
+                    </a:p>
+                  </a:txBody>
+                  <a:tcPr marL="9525" marR="9525" marT="9525" marB="0" anchor="ctr">
+                    <a:lnT w="12700" cap="flat" cmpd="sng" algn="ctr">
+                      <a:solidFill>
+                        <a:schemeClr val="tx1"/>
+                      </a:solidFill>
+                      <a:prstDash val="solid"/>
+                      <a:round/>
+                      <a:headEnd type="none" w="med" len="med"/>
+                      <a:tailEnd type="none" w="med" len="med"/>
+                    </a:lnT>
+                  </a:tcPr>
+                </a:tc>
+                <a:tc>
+                  <a:txBody>
+                    <a:bodyPr/>
+                    <a:lstStyle/>
+                    <a:p>
+                      <a:pPr algn="ctr" fontAlgn="b"/>
+                      <a:r>
+                        <a:rPr lang="en-CA" sz="1400" u="none" strike="noStrike" dirty="0">
+                          <a:effectLst/>
+                        </a:rPr>
+                        <a:t>89.5</a:t>
+                      </a:r>
+                      <a:endParaRPr lang="en-CA" sz="1400" b="0" i="0" u="none" strike="noStrike" dirty="0">
+                        <a:solidFill>
+                          <a:srgbClr val="000000"/>
+                        </a:solidFill>
+                        <a:effectLst/>
+                        <a:latin typeface="Calibri" panose="020F0502020204030204" pitchFamily="34" charset="0"/>
+                      </a:endParaRPr>
+                    </a:p>
+                  </a:txBody>
+                  <a:tcPr marL="9525" marR="9525" marT="9525" marB="0" anchor="ctr">
+                    <a:lnT w="12700" cap="flat" cmpd="sng" algn="ctr">
+                      <a:solidFill>
+                        <a:schemeClr val="tx1"/>
+                      </a:solidFill>
+                      <a:prstDash val="solid"/>
+                      <a:round/>
+                      <a:headEnd type="none" w="med" len="med"/>
+                      <a:tailEnd type="none" w="med" len="med"/>
+                    </a:lnT>
+                  </a:tcPr>
+                </a:tc>
+                <a:tc>
+                  <a:txBody>
+                    <a:bodyPr/>
+                    <a:lstStyle/>
+                    <a:p>
+                      <a:pPr algn="ctr" fontAlgn="b"/>
+                      <a:endParaRPr lang="en-CA" sz="1400" b="0" i="0" u="none" strike="noStrike" dirty="0">
+                        <a:solidFill>
+                          <a:srgbClr val="000000"/>
+                        </a:solidFill>
+                        <a:effectLst/>
+                        <a:latin typeface="Calibri" panose="020F0502020204030204" pitchFamily="34" charset="0"/>
+                      </a:endParaRPr>
+                    </a:p>
+                  </a:txBody>
+                  <a:tcPr marL="9525" marR="9525" marT="9525" marB="0" anchor="ctr">
+                    <a:lnT w="12700" cap="flat" cmpd="sng" algn="ctr">
+                      <a:solidFill>
+                        <a:schemeClr val="tx1"/>
+                      </a:solidFill>
+                      <a:prstDash val="solid"/>
+                      <a:round/>
+                      <a:headEnd type="none" w="med" len="med"/>
+                      <a:tailEnd type="none" w="med" len="med"/>
+                    </a:lnT>
+                  </a:tcPr>
+                </a:tc>
+                <a:extLst>
+                  <a:ext uri="{0D108BD9-81ED-4DB2-BD59-A6C34878D82A}">
+                    <a16:rowId xmlns:a16="http://schemas.microsoft.com/office/drawing/2014/main" val="4184852633"/>
+                  </a:ext>
+                </a:extLst>
+              </a:tr>
+            </a:tbl>
+          </a:graphicData>
+        </a:graphic>
+      </p:graphicFrame>
+      <p:pic>
+        <p:nvPicPr>
+          <p:cNvPr id="11" name="Picture 10">
+            <a:extLst>
+              <a:ext uri="{FF2B5EF4-FFF2-40B4-BE49-F238E27FC236}">
+                <a16:creationId xmlns:a16="http://schemas.microsoft.com/office/drawing/2014/main" id="{185DEA28-C0B4-9247-B0D4-678B6DF238EF}"/>
+              </a:ext>
+            </a:extLst>
+          </p:cNvPr>
+          <p:cNvPicPr>
+            <a:picLocks noChangeAspect="1"/>
+          </p:cNvPicPr>
+          <p:nvPr/>
+        </p:nvPicPr>
+        <p:blipFill>
+          <a:blip r:embed="rId3">
+            <a:extLst>
+              <a:ext uri="{28A0092B-C50C-407E-A947-70E740481C1C}">
+                <a14:useLocalDpi xmlns:a14="http://schemas.microsoft.com/office/drawing/2010/main" val="0"/>
+              </a:ext>
+            </a:extLst>
+          </a:blip>
+          <a:stretch>
+            <a:fillRect/>
+          </a:stretch>
+        </p:blipFill>
         <p:spPr>
           <a:xfrm>
-            <a:off x="6172200" y="256381"/>
-            <a:ext cx="5183188" cy="823912"/>
+            <a:off x="3356447" y="1907861"/>
+            <a:ext cx="2641128" cy="1844597"/>
           </a:xfrm>
+          <a:prstGeom prst="rect">
+            <a:avLst/>
+          </a:prstGeom>
         </p:spPr>
-        <p:txBody>
-          <a:bodyPr/>
-          <a:lstStyle/>
-          <a:p>
-            <a:pPr algn="ctr"/>
-            <a:r>
-              <a:rPr lang="en-US" dirty="0"/>
-              <a:t>PLAYING</a:t>
-            </a:r>
-          </a:p>
-        </p:txBody>
-      </p:sp>
-      <p:sp>
-        <p:nvSpPr>
-          <p:cNvPr id="6" name="Content Placeholder 5">
-            <a:extLst>
-              <a:ext uri="{FF2B5EF4-FFF2-40B4-BE49-F238E27FC236}">
-                <a16:creationId xmlns:a16="http://schemas.microsoft.com/office/drawing/2014/main" id="{8DE3C8E8-1CF5-4724-87F1-EA6A381C63BD}"/>
-              </a:ext>
-            </a:extLst>
-          </p:cNvPr>
-          <p:cNvSpPr>
-            <a:spLocks noGrp="1"/>
-          </p:cNvSpPr>
-          <p:nvPr>
-            <p:ph sz="quarter" idx="4"/>
-          </p:nvPr>
-        </p:nvSpPr>
+      </p:pic>
+      <p:pic>
+        <p:nvPicPr>
+          <p:cNvPr id="13" name="Picture 12">
+            <a:extLst>
+              <a:ext uri="{FF2B5EF4-FFF2-40B4-BE49-F238E27FC236}">
+                <a16:creationId xmlns:a16="http://schemas.microsoft.com/office/drawing/2014/main" id="{CD5EDAEE-A0B0-C34B-A938-76E814FF9196}"/>
+              </a:ext>
+            </a:extLst>
+          </p:cNvPr>
+          <p:cNvPicPr>
+            <a:picLocks noChangeAspect="1"/>
+          </p:cNvPicPr>
+          <p:nvPr/>
+        </p:nvPicPr>
+        <p:blipFill>
+          <a:blip r:embed="rId4">
+            <a:extLst>
+              <a:ext uri="{28A0092B-C50C-407E-A947-70E740481C1C}">
+                <a14:useLocalDpi xmlns:a14="http://schemas.microsoft.com/office/drawing/2010/main" val="0"/>
+              </a:ext>
+            </a:extLst>
+          </a:blip>
+          <a:stretch>
+            <a:fillRect/>
+          </a:stretch>
+        </p:blipFill>
         <p:spPr>
           <a:xfrm>
-            <a:off x="6172200" y="1080293"/>
-            <a:ext cx="5183188" cy="5109370"/>
+            <a:off x="393912" y="1907861"/>
+            <a:ext cx="2620167" cy="1844598"/>
           </a:xfrm>
+          <a:prstGeom prst="rect">
+            <a:avLst/>
+          </a:prstGeom>
         </p:spPr>
-        <p:txBody>
-          <a:bodyPr/>
+      </p:pic>
+      <p:pic>
+        <p:nvPicPr>
+          <p:cNvPr id="15" name="Picture 14">
+            <a:extLst>
+              <a:ext uri="{FF2B5EF4-FFF2-40B4-BE49-F238E27FC236}">
+                <a16:creationId xmlns:a16="http://schemas.microsoft.com/office/drawing/2014/main" id="{2809FF13-717F-6641-89D4-4F489D97DCA7}"/>
+              </a:ext>
+            </a:extLst>
+          </p:cNvPr>
+          <p:cNvPicPr>
+            <a:picLocks noChangeAspect="1"/>
+          </p:cNvPicPr>
+          <p:nvPr/>
+        </p:nvPicPr>
+        <p:blipFill>
+          <a:blip r:embed="rId5">
+            <a:extLst>
+              <a:ext uri="{28A0092B-C50C-407E-A947-70E740481C1C}">
+                <a14:useLocalDpi xmlns:a14="http://schemas.microsoft.com/office/drawing/2010/main" val="0"/>
+              </a:ext>
+            </a:extLst>
+          </a:blip>
+          <a:stretch>
+            <a:fillRect/>
+          </a:stretch>
+        </p:blipFill>
+        <p:spPr>
+          <a:xfrm>
+            <a:off x="6754441" y="3128012"/>
+            <a:ext cx="4600947" cy="3239068"/>
+          </a:xfrm>
+          <a:prstGeom prst="rect">
+            <a:avLst/>
+          </a:prstGeom>
+        </p:spPr>
+      </p:pic>
+      <mc:AlternateContent xmlns:mc="http://schemas.openxmlformats.org/markup-compatibility/2006">
+        <mc:Choice xmlns:a14="http://schemas.microsoft.com/office/drawing/2010/main" Requires="a14">
+          <p:sp>
+            <p:nvSpPr>
+              <p:cNvPr id="23" name="TextBox 22">
+                <a:extLst>
+                  <a:ext uri="{FF2B5EF4-FFF2-40B4-BE49-F238E27FC236}">
+                    <a16:creationId xmlns:a16="http://schemas.microsoft.com/office/drawing/2014/main" id="{3266BD87-DCC0-BC46-A995-EC4BD76E7FE7}"/>
+                  </a:ext>
+                </a:extLst>
+              </p:cNvPr>
+              <p:cNvSpPr txBox="1"/>
+              <p:nvPr/>
+            </p:nvSpPr>
+            <p:spPr>
+              <a:xfrm>
+                <a:off x="6981453" y="1020486"/>
+                <a:ext cx="3272178" cy="617861"/>
+              </a:xfrm>
+              <a:prstGeom prst="rect">
+                <a:avLst/>
+              </a:prstGeom>
+              <a:noFill/>
+            </p:spPr>
+            <p:txBody>
+              <a:bodyPr wrap="none" lIns="0" tIns="0" rIns="0" bIns="0" rtlCol="0">
+                <a:spAutoFit/>
+              </a:bodyPr>
+              <a:lstStyle/>
+              <a:p>
+                <a14:m>
+                  <m:oMathPara xmlns:m="http://schemas.openxmlformats.org/officeDocument/2006/math">
+                    <m:oMathParaPr>
+                      <m:jc m:val="centerGroup"/>
+                    </m:oMathParaPr>
+                    <m:oMath xmlns:m="http://schemas.openxmlformats.org/officeDocument/2006/math">
+                      <m:r>
+                        <a:rPr lang="en-CA" b="0" i="1" smtClean="0">
+                          <a:latin typeface="Cambria Math" panose="02040503050406030204" pitchFamily="18" charset="0"/>
+                        </a:rPr>
+                        <m:t>𝑅𝑒𝑤𝑎𝑟𝑑</m:t>
+                      </m:r>
+                      <m:r>
+                        <a:rPr lang="en-CA" b="0" i="1" smtClean="0">
+                          <a:latin typeface="Cambria Math" panose="02040503050406030204" pitchFamily="18" charset="0"/>
+                        </a:rPr>
+                        <m:t>=</m:t>
+                      </m:r>
+                      <m:d>
+                        <m:dPr>
+                          <m:begChr m:val="{"/>
+                          <m:endChr m:val=""/>
+                          <m:ctrlPr>
+                            <a:rPr lang="en-CA" b="0" i="1" smtClean="0">
+                              <a:latin typeface="Cambria Math" panose="02040503050406030204" pitchFamily="18" charset="0"/>
+                            </a:rPr>
+                          </m:ctrlPr>
+                        </m:dPr>
+                        <m:e>
+                          <m:m>
+                            <m:mPr>
+                              <m:mcs>
+                                <m:mc>
+                                  <m:mcPr>
+                                    <m:count m:val="2"/>
+                                    <m:mcJc m:val="center"/>
+                                  </m:mcPr>
+                                </m:mc>
+                              </m:mcs>
+                              <m:ctrlPr>
+                                <a:rPr lang="en-CA" b="0" i="1" smtClean="0">
+                                  <a:latin typeface="Cambria Math" panose="02040503050406030204" pitchFamily="18" charset="0"/>
+                                </a:rPr>
+                              </m:ctrlPr>
+                            </m:mPr>
+                            <m:mr>
+                              <m:e>
+                                <m:r>
+                                  <m:rPr>
+                                    <m:brk m:alnAt="7"/>
+                                  </m:rPr>
+                                  <a:rPr lang="en-CA" b="0" i="1" smtClean="0">
+                                    <a:latin typeface="Cambria Math" panose="02040503050406030204" pitchFamily="18" charset="0"/>
+                                  </a:rPr>
+                                  <m:t>𝑏𝑒𝑡</m:t>
+                                </m:r>
+                                <m:r>
+                                  <a:rPr lang="en-CA" b="0" i="1" smtClean="0">
+                                    <a:latin typeface="Cambria Math" panose="02040503050406030204" pitchFamily="18" charset="0"/>
+                                  </a:rPr>
+                                  <m:t>,</m:t>
+                                </m:r>
+                              </m:e>
+                              <m:e>
+                                <m:r>
+                                  <a:rPr lang="en-CA" b="0" i="1" smtClean="0">
+                                    <a:latin typeface="Cambria Math" panose="02040503050406030204" pitchFamily="18" charset="0"/>
+                                  </a:rPr>
+                                  <m:t>𝑡𝑟𝑖𝑐𝑘𝑠</m:t>
+                                </m:r>
+                                <m:r>
+                                  <a:rPr lang="en-CA" b="0" i="1" smtClean="0">
+                                    <a:latin typeface="Cambria Math" panose="02040503050406030204" pitchFamily="18" charset="0"/>
+                                  </a:rPr>
+                                  <m:t>≥</m:t>
+                                </m:r>
+                                <m:r>
+                                  <a:rPr lang="en-CA" b="0" i="1" smtClean="0">
+                                    <a:latin typeface="Cambria Math" panose="02040503050406030204" pitchFamily="18" charset="0"/>
+                                  </a:rPr>
+                                  <m:t>𝑏𝑒𝑡</m:t>
+                                </m:r>
+                              </m:e>
+                            </m:mr>
+                            <m:mr>
+                              <m:e>
+                                <m:r>
+                                  <a:rPr lang="en-CA" b="0" i="1" smtClean="0">
+                                    <a:latin typeface="Cambria Math" panose="02040503050406030204" pitchFamily="18" charset="0"/>
+                                  </a:rPr>
+                                  <m:t>−</m:t>
+                                </m:r>
+                                <m:r>
+                                  <a:rPr lang="en-CA" b="0" i="1" smtClean="0">
+                                    <a:latin typeface="Cambria Math" panose="02040503050406030204" pitchFamily="18" charset="0"/>
+                                  </a:rPr>
+                                  <m:t>𝑏𝑒𝑡</m:t>
+                                </m:r>
+                              </m:e>
+                              <m:e>
+                                <m:r>
+                                  <a:rPr lang="en-CA" b="0" i="1" smtClean="0">
+                                    <a:latin typeface="Cambria Math" panose="02040503050406030204" pitchFamily="18" charset="0"/>
+                                  </a:rPr>
+                                  <m:t>𝑡𝑟𝑖𝑐𝑘𝑠</m:t>
+                                </m:r>
+                                <m:r>
+                                  <a:rPr lang="en-CA" b="0" i="1" smtClean="0">
+                                    <a:latin typeface="Cambria Math" panose="02040503050406030204" pitchFamily="18" charset="0"/>
+                                  </a:rPr>
+                                  <m:t>&lt;</m:t>
+                                </m:r>
+                                <m:r>
+                                  <a:rPr lang="en-CA" b="0" i="1" smtClean="0">
+                                    <a:latin typeface="Cambria Math" panose="02040503050406030204" pitchFamily="18" charset="0"/>
+                                  </a:rPr>
+                                  <m:t>𝑏𝑒𝑡</m:t>
+                                </m:r>
+                              </m:e>
+                            </m:mr>
+                          </m:m>
+                        </m:e>
+                      </m:d>
+                    </m:oMath>
+                  </m:oMathPara>
+                </a14:m>
+                <a:endParaRPr lang="en-US" dirty="0"/>
+              </a:p>
+            </p:txBody>
+          </p:sp>
+        </mc:Choice>
+        <mc:Fallback>
+          <p:sp>
+            <p:nvSpPr>
+              <p:cNvPr id="23" name="TextBox 22">
+                <a:extLst>
+                  <a:ext uri="{FF2B5EF4-FFF2-40B4-BE49-F238E27FC236}">
+                    <a16:creationId xmlns:a16="http://schemas.microsoft.com/office/drawing/2014/main" id="{3266BD87-DCC0-BC46-A995-EC4BD76E7FE7}"/>
+                  </a:ext>
+                </a:extLst>
+              </p:cNvPr>
+              <p:cNvSpPr txBox="1">
+                <a:spLocks noRot="1" noChangeAspect="1" noMove="1" noResize="1" noEditPoints="1" noAdjustHandles="1" noChangeArrowheads="1" noChangeShapeType="1" noTextEdit="1"/>
+              </p:cNvSpPr>
+              <p:nvPr/>
+            </p:nvSpPr>
+            <p:spPr>
+              <a:xfrm>
+                <a:off x="6981453" y="1020486"/>
+                <a:ext cx="3272178" cy="617861"/>
+              </a:xfrm>
+              <a:prstGeom prst="rect">
+                <a:avLst/>
+              </a:prstGeom>
+              <a:blipFill>
+                <a:blip r:embed="rId6"/>
+                <a:stretch>
+                  <a:fillRect l="-1163" t="-220000" r="-1163" b="-322000"/>
+                </a:stretch>
+              </a:blipFill>
+            </p:spPr>
+            <p:txBody>
+              <a:bodyPr/>
+              <a:lstStyle/>
+              <a:p>
+                <a:r>
+                  <a:rPr lang="en-US">
+                    <a:noFill/>
+                  </a:rPr>
+                  <a:t> </a:t>
+                </a:r>
+              </a:p>
+            </p:txBody>
+          </p:sp>
+        </mc:Fallback>
+      </mc:AlternateContent>
+      <p:grpSp>
+        <p:nvGrpSpPr>
+          <p:cNvPr id="38" name="Group 37">
+            <a:extLst>
+              <a:ext uri="{FF2B5EF4-FFF2-40B4-BE49-F238E27FC236}">
+                <a16:creationId xmlns:a16="http://schemas.microsoft.com/office/drawing/2014/main" id="{A49D580F-23D2-3D41-97F3-0EDE095E6E6B}"/>
+              </a:ext>
+            </a:extLst>
+          </p:cNvPr>
+          <p:cNvGrpSpPr/>
+          <p:nvPr/>
+        </p:nvGrpSpPr>
+        <p:grpSpPr>
+          <a:xfrm>
+            <a:off x="222727" y="4231016"/>
+            <a:ext cx="2962535" cy="1956391"/>
+            <a:chOff x="222727" y="4553880"/>
+            <a:chExt cx="2962535" cy="1956391"/>
+          </a:xfrm>
+        </p:grpSpPr>
+        <p:pic>
+          <p:nvPicPr>
+            <p:cNvPr id="9" name="Picture 8">
+              <a:extLst>
+                <a:ext uri="{FF2B5EF4-FFF2-40B4-BE49-F238E27FC236}">
+                  <a16:creationId xmlns:a16="http://schemas.microsoft.com/office/drawing/2014/main" id="{CE0F6D9C-2D83-784E-BF41-470102CAB225}"/>
+                </a:ext>
+              </a:extLst>
+            </p:cNvPr>
+            <p:cNvPicPr>
+              <a:picLocks noChangeAspect="1"/>
+            </p:cNvPicPr>
+            <p:nvPr/>
+          </p:nvPicPr>
+          <p:blipFill>
+            <a:blip r:embed="rId7">
+              <a:extLst>
+                <a:ext uri="{28A0092B-C50C-407E-A947-70E740481C1C}">
+                  <a14:useLocalDpi xmlns:a14="http://schemas.microsoft.com/office/drawing/2010/main" val="0"/>
+                </a:ext>
+              </a:extLst>
+            </a:blip>
+            <a:stretch>
+              <a:fillRect/>
+            </a:stretch>
+          </p:blipFill>
+          <p:spPr>
+            <a:xfrm>
+              <a:off x="222727" y="4553880"/>
+              <a:ext cx="2962535" cy="1956391"/>
+            </a:xfrm>
+            <a:prstGeom prst="rect">
+              <a:avLst/>
+            </a:prstGeom>
+          </p:spPr>
+        </p:pic>
+        <p:sp>
+          <p:nvSpPr>
+            <p:cNvPr id="27" name="Rectangle 26">
+              <a:extLst>
+                <a:ext uri="{FF2B5EF4-FFF2-40B4-BE49-F238E27FC236}">
+                  <a16:creationId xmlns:a16="http://schemas.microsoft.com/office/drawing/2014/main" id="{33AB6A03-12CB-4E49-9309-B8D8D145302B}"/>
+                </a:ext>
+              </a:extLst>
+            </p:cNvPr>
+            <p:cNvSpPr/>
+            <p:nvPr/>
+          </p:nvSpPr>
+          <p:spPr>
+            <a:xfrm>
+              <a:off x="415926" y="4711701"/>
+              <a:ext cx="85724" cy="660400"/>
+            </a:xfrm>
+            <a:prstGeom prst="rect">
+              <a:avLst/>
+            </a:prstGeom>
+            <a:solidFill>
+              <a:srgbClr val="FF0000">
+                <a:alpha val="30000"/>
+              </a:srgbClr>
+            </a:solidFill>
+            <a:ln>
+              <a:noFill/>
+            </a:ln>
+          </p:spPr>
+          <p:style>
+            <a:lnRef idx="2">
+              <a:schemeClr val="accent1">
+                <a:shade val="50000"/>
+              </a:schemeClr>
+            </a:lnRef>
+            <a:fillRef idx="1">
+              <a:schemeClr val="accent1"/>
+            </a:fillRef>
+            <a:effectRef idx="0">
+              <a:schemeClr val="accent1"/>
+            </a:effectRef>
+            <a:fontRef idx="minor">
+              <a:schemeClr val="lt1"/>
+            </a:fontRef>
+          </p:style>
+          <p:txBody>
+            <a:bodyPr rtlCol="0" anchor="ctr"/>
+            <a:lstStyle/>
+            <a:p>
+              <a:pPr algn="ctr"/>
+              <a:endParaRPr lang="en-US"/>
+            </a:p>
+          </p:txBody>
+        </p:sp>
+        <p:sp>
+          <p:nvSpPr>
+            <p:cNvPr id="28" name="Rectangle 27">
+              <a:extLst>
+                <a:ext uri="{FF2B5EF4-FFF2-40B4-BE49-F238E27FC236}">
+                  <a16:creationId xmlns:a16="http://schemas.microsoft.com/office/drawing/2014/main" id="{E628F0EE-DA1F-7744-9494-715236C9831F}"/>
+                </a:ext>
+              </a:extLst>
+            </p:cNvPr>
+            <p:cNvSpPr/>
+            <p:nvPr/>
+          </p:nvSpPr>
+          <p:spPr>
+            <a:xfrm>
+              <a:off x="415926" y="5680486"/>
+              <a:ext cx="225424" cy="660400"/>
+            </a:xfrm>
+            <a:prstGeom prst="rect">
+              <a:avLst/>
+            </a:prstGeom>
+            <a:solidFill>
+              <a:srgbClr val="FF0000">
+                <a:alpha val="30000"/>
+              </a:srgbClr>
+            </a:solidFill>
+            <a:ln>
+              <a:noFill/>
+            </a:ln>
+          </p:spPr>
+          <p:style>
+            <a:lnRef idx="2">
+              <a:schemeClr val="accent1">
+                <a:shade val="50000"/>
+              </a:schemeClr>
+            </a:lnRef>
+            <a:fillRef idx="1">
+              <a:schemeClr val="accent1"/>
+            </a:fillRef>
+            <a:effectRef idx="0">
+              <a:schemeClr val="accent1"/>
+            </a:effectRef>
+            <a:fontRef idx="minor">
+              <a:schemeClr val="lt1"/>
+            </a:fontRef>
+          </p:style>
+          <p:txBody>
+            <a:bodyPr rtlCol="0" anchor="ctr"/>
+            <a:lstStyle/>
+            <a:p>
+              <a:pPr algn="ctr"/>
+              <a:endParaRPr lang="en-US"/>
+            </a:p>
+          </p:txBody>
+        </p:sp>
+        <p:sp>
+          <p:nvSpPr>
+            <p:cNvPr id="29" name="Rectangle 28">
+              <a:extLst>
+                <a:ext uri="{FF2B5EF4-FFF2-40B4-BE49-F238E27FC236}">
+                  <a16:creationId xmlns:a16="http://schemas.microsoft.com/office/drawing/2014/main" id="{322D84BE-7B9C-0B43-9E17-6AC0816B4B2F}"/>
+                </a:ext>
+              </a:extLst>
+            </p:cNvPr>
+            <p:cNvSpPr/>
+            <p:nvPr/>
+          </p:nvSpPr>
+          <p:spPr>
+            <a:xfrm>
+              <a:off x="1435100" y="4711701"/>
+              <a:ext cx="139699" cy="660400"/>
+            </a:xfrm>
+            <a:prstGeom prst="rect">
+              <a:avLst/>
+            </a:prstGeom>
+            <a:solidFill>
+              <a:srgbClr val="FF0000">
+                <a:alpha val="30000"/>
+              </a:srgbClr>
+            </a:solidFill>
+            <a:ln>
+              <a:noFill/>
+            </a:ln>
+          </p:spPr>
+          <p:style>
+            <a:lnRef idx="2">
+              <a:schemeClr val="accent1">
+                <a:shade val="50000"/>
+              </a:schemeClr>
+            </a:lnRef>
+            <a:fillRef idx="1">
+              <a:schemeClr val="accent1"/>
+            </a:fillRef>
+            <a:effectRef idx="0">
+              <a:schemeClr val="accent1"/>
+            </a:effectRef>
+            <a:fontRef idx="minor">
+              <a:schemeClr val="lt1"/>
+            </a:fontRef>
+          </p:style>
+          <p:txBody>
+            <a:bodyPr rtlCol="0" anchor="ctr"/>
+            <a:lstStyle/>
+            <a:p>
+              <a:pPr algn="ctr"/>
+              <a:endParaRPr lang="en-US"/>
+            </a:p>
+          </p:txBody>
+        </p:sp>
+        <p:sp>
+          <p:nvSpPr>
+            <p:cNvPr id="30" name="Rectangle 29">
+              <a:extLst>
+                <a:ext uri="{FF2B5EF4-FFF2-40B4-BE49-F238E27FC236}">
+                  <a16:creationId xmlns:a16="http://schemas.microsoft.com/office/drawing/2014/main" id="{33637E15-928C-714B-82E5-A20735105AB4}"/>
+                </a:ext>
+              </a:extLst>
+            </p:cNvPr>
+            <p:cNvSpPr/>
+            <p:nvPr/>
+          </p:nvSpPr>
+          <p:spPr>
+            <a:xfrm>
+              <a:off x="1438274" y="5683661"/>
+              <a:ext cx="269875" cy="660400"/>
+            </a:xfrm>
+            <a:prstGeom prst="rect">
+              <a:avLst/>
+            </a:prstGeom>
+            <a:solidFill>
+              <a:srgbClr val="FF0000">
+                <a:alpha val="30000"/>
+              </a:srgbClr>
+            </a:solidFill>
+            <a:ln>
+              <a:noFill/>
+            </a:ln>
+          </p:spPr>
+          <p:style>
+            <a:lnRef idx="2">
+              <a:schemeClr val="accent1">
+                <a:shade val="50000"/>
+              </a:schemeClr>
+            </a:lnRef>
+            <a:fillRef idx="1">
+              <a:schemeClr val="accent1"/>
+            </a:fillRef>
+            <a:effectRef idx="0">
+              <a:schemeClr val="accent1"/>
+            </a:effectRef>
+            <a:fontRef idx="minor">
+              <a:schemeClr val="lt1"/>
+            </a:fontRef>
+          </p:style>
+          <p:txBody>
+            <a:bodyPr rtlCol="0" anchor="ctr"/>
+            <a:lstStyle/>
+            <a:p>
+              <a:pPr algn="ctr"/>
+              <a:endParaRPr lang="en-US"/>
+            </a:p>
+          </p:txBody>
+        </p:sp>
+        <p:sp>
+          <p:nvSpPr>
+            <p:cNvPr id="31" name="Rectangle 30">
+              <a:extLst>
+                <a:ext uri="{FF2B5EF4-FFF2-40B4-BE49-F238E27FC236}">
+                  <a16:creationId xmlns:a16="http://schemas.microsoft.com/office/drawing/2014/main" id="{5928EF80-9EF6-9C49-AB72-7460F54323A8}"/>
+                </a:ext>
+              </a:extLst>
+            </p:cNvPr>
+            <p:cNvSpPr/>
+            <p:nvPr/>
+          </p:nvSpPr>
+          <p:spPr>
+            <a:xfrm>
+              <a:off x="2465387" y="4711701"/>
+              <a:ext cx="173038" cy="660400"/>
+            </a:xfrm>
+            <a:prstGeom prst="rect">
+              <a:avLst/>
+            </a:prstGeom>
+            <a:solidFill>
+              <a:srgbClr val="FF0000">
+                <a:alpha val="30000"/>
+              </a:srgbClr>
+            </a:solidFill>
+            <a:ln>
+              <a:noFill/>
+            </a:ln>
+          </p:spPr>
+          <p:style>
+            <a:lnRef idx="2">
+              <a:schemeClr val="accent1">
+                <a:shade val="50000"/>
+              </a:schemeClr>
+            </a:lnRef>
+            <a:fillRef idx="1">
+              <a:schemeClr val="accent1"/>
+            </a:fillRef>
+            <a:effectRef idx="0">
+              <a:schemeClr val="accent1"/>
+            </a:effectRef>
+            <a:fontRef idx="minor">
+              <a:schemeClr val="lt1"/>
+            </a:fontRef>
+          </p:style>
+          <p:txBody>
+            <a:bodyPr rtlCol="0" anchor="ctr"/>
+            <a:lstStyle/>
+            <a:p>
+              <a:pPr algn="ctr"/>
+              <a:endParaRPr lang="en-US"/>
+            </a:p>
+          </p:txBody>
+        </p:sp>
+        <p:sp>
+          <p:nvSpPr>
+            <p:cNvPr id="32" name="Rectangle 31">
+              <a:extLst>
+                <a:ext uri="{FF2B5EF4-FFF2-40B4-BE49-F238E27FC236}">
+                  <a16:creationId xmlns:a16="http://schemas.microsoft.com/office/drawing/2014/main" id="{D91662CD-D6AB-2541-9CCC-3C2EE970F315}"/>
+                </a:ext>
+              </a:extLst>
+            </p:cNvPr>
+            <p:cNvSpPr/>
+            <p:nvPr/>
+          </p:nvSpPr>
+          <p:spPr>
+            <a:xfrm>
+              <a:off x="555625" y="4711701"/>
+              <a:ext cx="520699" cy="660400"/>
+            </a:xfrm>
+            <a:prstGeom prst="rect">
+              <a:avLst/>
+            </a:prstGeom>
+            <a:solidFill>
+              <a:schemeClr val="accent6">
+                <a:alpha val="30000"/>
+              </a:schemeClr>
+            </a:solidFill>
+            <a:ln>
+              <a:noFill/>
+            </a:ln>
+          </p:spPr>
+          <p:style>
+            <a:lnRef idx="2">
+              <a:schemeClr val="accent1">
+                <a:shade val="50000"/>
+              </a:schemeClr>
+            </a:lnRef>
+            <a:fillRef idx="1">
+              <a:schemeClr val="accent1"/>
+            </a:fillRef>
+            <a:effectRef idx="0">
+              <a:schemeClr val="accent1"/>
+            </a:effectRef>
+            <a:fontRef idx="minor">
+              <a:schemeClr val="lt1"/>
+            </a:fontRef>
+          </p:style>
+          <p:txBody>
+            <a:bodyPr rtlCol="0" anchor="ctr"/>
+            <a:lstStyle/>
+            <a:p>
+              <a:pPr algn="ctr"/>
+              <a:endParaRPr lang="en-US"/>
+            </a:p>
+          </p:txBody>
+        </p:sp>
+        <p:sp>
+          <p:nvSpPr>
+            <p:cNvPr id="33" name="Rectangle 32">
+              <a:extLst>
+                <a:ext uri="{FF2B5EF4-FFF2-40B4-BE49-F238E27FC236}">
+                  <a16:creationId xmlns:a16="http://schemas.microsoft.com/office/drawing/2014/main" id="{37DF2CD4-5B7A-1140-8BF7-2A3778A3757D}"/>
+                </a:ext>
+              </a:extLst>
+            </p:cNvPr>
+            <p:cNvSpPr/>
+            <p:nvPr/>
+          </p:nvSpPr>
+          <p:spPr>
+            <a:xfrm>
+              <a:off x="1640014" y="4711701"/>
+              <a:ext cx="458661" cy="660400"/>
+            </a:xfrm>
+            <a:prstGeom prst="rect">
+              <a:avLst/>
+            </a:prstGeom>
+            <a:solidFill>
+              <a:schemeClr val="accent6">
+                <a:alpha val="30000"/>
+              </a:schemeClr>
+            </a:solidFill>
+            <a:ln>
+              <a:noFill/>
+            </a:ln>
+          </p:spPr>
+          <p:style>
+            <a:lnRef idx="2">
+              <a:schemeClr val="accent1">
+                <a:shade val="50000"/>
+              </a:schemeClr>
+            </a:lnRef>
+            <a:fillRef idx="1">
+              <a:schemeClr val="accent1"/>
+            </a:fillRef>
+            <a:effectRef idx="0">
+              <a:schemeClr val="accent1"/>
+            </a:effectRef>
+            <a:fontRef idx="minor">
+              <a:schemeClr val="lt1"/>
+            </a:fontRef>
+          </p:style>
+          <p:txBody>
+            <a:bodyPr rtlCol="0" anchor="ctr"/>
+            <a:lstStyle/>
+            <a:p>
+              <a:pPr algn="ctr"/>
+              <a:endParaRPr lang="en-US"/>
+            </a:p>
+          </p:txBody>
+        </p:sp>
+        <p:sp>
+          <p:nvSpPr>
+            <p:cNvPr id="34" name="Rectangle 33">
+              <a:extLst>
+                <a:ext uri="{FF2B5EF4-FFF2-40B4-BE49-F238E27FC236}">
+                  <a16:creationId xmlns:a16="http://schemas.microsoft.com/office/drawing/2014/main" id="{600E7A40-1380-6A4B-BE84-320A08C91A90}"/>
+                </a:ext>
+              </a:extLst>
+            </p:cNvPr>
+            <p:cNvSpPr/>
+            <p:nvPr/>
+          </p:nvSpPr>
+          <p:spPr>
+            <a:xfrm>
+              <a:off x="717551" y="5680486"/>
+              <a:ext cx="358774" cy="660400"/>
+            </a:xfrm>
+            <a:prstGeom prst="rect">
+              <a:avLst/>
+            </a:prstGeom>
+            <a:solidFill>
+              <a:schemeClr val="accent6">
+                <a:alpha val="30000"/>
+              </a:schemeClr>
+            </a:solidFill>
+            <a:ln>
+              <a:noFill/>
+            </a:ln>
+          </p:spPr>
+          <p:style>
+            <a:lnRef idx="2">
+              <a:schemeClr val="accent1">
+                <a:shade val="50000"/>
+              </a:schemeClr>
+            </a:lnRef>
+            <a:fillRef idx="1">
+              <a:schemeClr val="accent1"/>
+            </a:fillRef>
+            <a:effectRef idx="0">
+              <a:schemeClr val="accent1"/>
+            </a:effectRef>
+            <a:fontRef idx="minor">
+              <a:schemeClr val="lt1"/>
+            </a:fontRef>
+          </p:style>
+          <p:txBody>
+            <a:bodyPr rtlCol="0" anchor="ctr"/>
+            <a:lstStyle/>
+            <a:p>
+              <a:pPr algn="ctr"/>
+              <a:endParaRPr lang="en-US"/>
+            </a:p>
+          </p:txBody>
+        </p:sp>
+        <p:sp>
+          <p:nvSpPr>
+            <p:cNvPr id="35" name="Rectangle 34">
+              <a:extLst>
+                <a:ext uri="{FF2B5EF4-FFF2-40B4-BE49-F238E27FC236}">
+                  <a16:creationId xmlns:a16="http://schemas.microsoft.com/office/drawing/2014/main" id="{B0BCF133-95D2-D34D-BF71-41191B2846DB}"/>
+                </a:ext>
+              </a:extLst>
+            </p:cNvPr>
+            <p:cNvSpPr/>
+            <p:nvPr/>
+          </p:nvSpPr>
+          <p:spPr>
+            <a:xfrm>
+              <a:off x="1787273" y="5683661"/>
+              <a:ext cx="311402" cy="660400"/>
+            </a:xfrm>
+            <a:prstGeom prst="rect">
+              <a:avLst/>
+            </a:prstGeom>
+            <a:solidFill>
+              <a:schemeClr val="accent6">
+                <a:alpha val="30000"/>
+              </a:schemeClr>
+            </a:solidFill>
+            <a:ln>
+              <a:noFill/>
+            </a:ln>
+          </p:spPr>
+          <p:style>
+            <a:lnRef idx="2">
+              <a:schemeClr val="accent1">
+                <a:shade val="50000"/>
+              </a:schemeClr>
+            </a:lnRef>
+            <a:fillRef idx="1">
+              <a:schemeClr val="accent1"/>
+            </a:fillRef>
+            <a:effectRef idx="0">
+              <a:schemeClr val="accent1"/>
+            </a:effectRef>
+            <a:fontRef idx="minor">
+              <a:schemeClr val="lt1"/>
+            </a:fontRef>
+          </p:style>
+          <p:txBody>
+            <a:bodyPr rtlCol="0" anchor="ctr"/>
+            <a:lstStyle/>
+            <a:p>
+              <a:pPr algn="ctr"/>
+              <a:endParaRPr lang="en-US"/>
+            </a:p>
+          </p:txBody>
+        </p:sp>
+        <p:sp>
+          <p:nvSpPr>
+            <p:cNvPr id="36" name="Rectangle 35">
+              <a:extLst>
+                <a:ext uri="{FF2B5EF4-FFF2-40B4-BE49-F238E27FC236}">
+                  <a16:creationId xmlns:a16="http://schemas.microsoft.com/office/drawing/2014/main" id="{06A42E87-F5C0-874B-BB39-E83E9CFF4BDA}"/>
+                </a:ext>
+              </a:extLst>
+            </p:cNvPr>
+            <p:cNvSpPr/>
+            <p:nvPr/>
+          </p:nvSpPr>
+          <p:spPr>
+            <a:xfrm>
+              <a:off x="2713110" y="4711701"/>
+              <a:ext cx="401566" cy="660400"/>
+            </a:xfrm>
+            <a:prstGeom prst="rect">
+              <a:avLst/>
+            </a:prstGeom>
+            <a:solidFill>
+              <a:schemeClr val="accent6">
+                <a:alpha val="30000"/>
+              </a:schemeClr>
+            </a:solidFill>
+            <a:ln>
+              <a:noFill/>
+            </a:ln>
+          </p:spPr>
+          <p:style>
+            <a:lnRef idx="2">
+              <a:schemeClr val="accent1">
+                <a:shade val="50000"/>
+              </a:schemeClr>
+            </a:lnRef>
+            <a:fillRef idx="1">
+              <a:schemeClr val="accent1"/>
+            </a:fillRef>
+            <a:effectRef idx="0">
+              <a:schemeClr val="accent1"/>
+            </a:effectRef>
+            <a:fontRef idx="minor">
+              <a:schemeClr val="lt1"/>
+            </a:fontRef>
+          </p:style>
+          <p:txBody>
+            <a:bodyPr rtlCol="0" anchor="ctr"/>
+            <a:lstStyle/>
+            <a:p>
+              <a:pPr algn="ctr"/>
+              <a:endParaRPr lang="en-US"/>
+            </a:p>
+          </p:txBody>
+        </p:sp>
+      </p:grpSp>
+      <mc:AlternateContent xmlns:mc="http://schemas.openxmlformats.org/markup-compatibility/2006">
+        <mc:Choice xmlns:a14="http://schemas.microsoft.com/office/drawing/2010/main" Requires="a14">
+          <p:sp>
+            <p:nvSpPr>
+              <p:cNvPr id="37" name="TextBox 36">
+                <a:extLst>
+                  <a:ext uri="{FF2B5EF4-FFF2-40B4-BE49-F238E27FC236}">
+                    <a16:creationId xmlns:a16="http://schemas.microsoft.com/office/drawing/2014/main" id="{645EAE7B-B2C7-BC41-B941-20CC5D741635}"/>
+                  </a:ext>
+                </a:extLst>
+              </p:cNvPr>
+              <p:cNvSpPr txBox="1"/>
+              <p:nvPr/>
+            </p:nvSpPr>
+            <p:spPr>
+              <a:xfrm>
+                <a:off x="1371160" y="966696"/>
+                <a:ext cx="3970574" cy="719428"/>
+              </a:xfrm>
+              <a:prstGeom prst="rect">
+                <a:avLst/>
+              </a:prstGeom>
+              <a:noFill/>
+            </p:spPr>
+            <p:txBody>
+              <a:bodyPr wrap="none" lIns="0" tIns="0" rIns="0" bIns="0" rtlCol="0">
+                <a:spAutoFit/>
+              </a:bodyPr>
+              <a:lstStyle/>
+              <a:p>
+                <a14:m>
+                  <m:oMathPara xmlns:m="http://schemas.openxmlformats.org/officeDocument/2006/math">
+                    <m:oMathParaPr>
+                      <m:jc m:val="centerGroup"/>
+                    </m:oMathParaPr>
+                    <m:oMath xmlns:m="http://schemas.openxmlformats.org/officeDocument/2006/math">
+                      <m:r>
+                        <a:rPr lang="en-CA" b="0" i="1" smtClean="0">
+                          <a:latin typeface="Cambria Math" panose="02040503050406030204" pitchFamily="18" charset="0"/>
+                        </a:rPr>
+                        <m:t>𝐿𝑜𝑠𝑠</m:t>
+                      </m:r>
+                      <m:r>
+                        <a:rPr lang="en-CA" b="0" i="1" smtClean="0">
+                          <a:latin typeface="Cambria Math" panose="02040503050406030204" pitchFamily="18" charset="0"/>
+                        </a:rPr>
+                        <m:t>=</m:t>
+                      </m:r>
+                      <m:d>
+                        <m:dPr>
+                          <m:begChr m:val="{"/>
+                          <m:endChr m:val=""/>
+                          <m:ctrlPr>
+                            <a:rPr lang="en-CA" b="0" i="1" smtClean="0">
+                              <a:latin typeface="Cambria Math" panose="02040503050406030204" pitchFamily="18" charset="0"/>
+                            </a:rPr>
+                          </m:ctrlPr>
+                        </m:dPr>
+                        <m:e>
+                          <m:m>
+                            <m:mPr>
+                              <m:mcs>
+                                <m:mc>
+                                  <m:mcPr>
+                                    <m:count m:val="2"/>
+                                    <m:mcJc m:val="center"/>
+                                  </m:mcPr>
+                                </m:mc>
+                              </m:mcs>
+                              <m:ctrlPr>
+                                <a:rPr lang="en-CA" b="0" i="1" smtClean="0">
+                                  <a:latin typeface="Cambria Math" panose="02040503050406030204" pitchFamily="18" charset="0"/>
+                                </a:rPr>
+                              </m:ctrlPr>
+                            </m:mPr>
+                            <m:mr>
+                              <m:e>
+                                <m:sSup>
+                                  <m:sSupPr>
+                                    <m:ctrlPr>
+                                      <a:rPr lang="en-CA" b="0" i="1" smtClean="0">
+                                        <a:latin typeface="Cambria Math" panose="02040503050406030204" pitchFamily="18" charset="0"/>
+                                      </a:rPr>
+                                    </m:ctrlPr>
+                                  </m:sSupPr>
+                                  <m:e>
+                                    <m:r>
+                                      <m:rPr>
+                                        <m:brk m:alnAt="7"/>
+                                      </m:rPr>
+                                      <a:rPr lang="en-CA" i="1">
+                                        <a:latin typeface="Cambria Math" panose="02040503050406030204" pitchFamily="18" charset="0"/>
+                                      </a:rPr>
+                                      <m:t>(</m:t>
+                                    </m:r>
+                                    <m:r>
+                                      <a:rPr lang="en-CA" i="1">
+                                        <a:latin typeface="Cambria Math" panose="02040503050406030204" pitchFamily="18" charset="0"/>
+                                      </a:rPr>
+                                      <m:t>𝑡𝑟𝑖𝑐𝑘𝑠</m:t>
+                                    </m:r>
+                                    <m:r>
+                                      <a:rPr lang="en-CA" i="1">
+                                        <a:latin typeface="Cambria Math" panose="02040503050406030204" pitchFamily="18" charset="0"/>
+                                      </a:rPr>
+                                      <m:t>−</m:t>
+                                    </m:r>
+                                    <m:r>
+                                      <a:rPr lang="en-CA" i="1">
+                                        <a:latin typeface="Cambria Math" panose="02040503050406030204" pitchFamily="18" charset="0"/>
+                                      </a:rPr>
+                                      <m:t>𝑏𝑒𝑡</m:t>
+                                    </m:r>
+                                    <m:r>
+                                      <a:rPr lang="en-CA" i="1">
+                                        <a:latin typeface="Cambria Math" panose="02040503050406030204" pitchFamily="18" charset="0"/>
+                                      </a:rPr>
+                                      <m:t>)</m:t>
+                                    </m:r>
+                                  </m:e>
+                                  <m:sup>
+                                    <m:r>
+                                      <a:rPr lang="en-CA" b="0" i="1" smtClean="0">
+                                        <a:latin typeface="Cambria Math" panose="02040503050406030204" pitchFamily="18" charset="0"/>
+                                      </a:rPr>
+                                      <m:t>2</m:t>
+                                    </m:r>
+                                  </m:sup>
+                                </m:sSup>
+                                <m:r>
+                                  <m:rPr>
+                                    <m:brk m:alnAt="7"/>
+                                  </m:rPr>
+                                  <a:rPr lang="en-CA" b="0" i="1" smtClean="0">
+                                    <a:latin typeface="Cambria Math" panose="02040503050406030204" pitchFamily="18" charset="0"/>
+                                  </a:rPr>
+                                  <m:t>,</m:t>
+                                </m:r>
+                              </m:e>
+                              <m:e>
+                                <m:r>
+                                  <a:rPr lang="en-CA" b="0" i="1" smtClean="0">
+                                    <a:latin typeface="Cambria Math" panose="02040503050406030204" pitchFamily="18" charset="0"/>
+                                  </a:rPr>
+                                  <m:t>𝑡𝑟𝑖𝑐𝑘𝑠</m:t>
+                                </m:r>
+                                <m:r>
+                                  <a:rPr lang="en-CA" b="0" i="1" smtClean="0">
+                                    <a:latin typeface="Cambria Math" panose="02040503050406030204" pitchFamily="18" charset="0"/>
+                                  </a:rPr>
+                                  <m:t>≥</m:t>
+                                </m:r>
+                                <m:r>
+                                  <a:rPr lang="en-CA" b="0" i="1" smtClean="0">
+                                    <a:latin typeface="Cambria Math" panose="02040503050406030204" pitchFamily="18" charset="0"/>
+                                  </a:rPr>
+                                  <m:t>𝑏𝑒𝑡</m:t>
+                                </m:r>
+                              </m:e>
+                            </m:mr>
+                            <m:mr>
+                              <m:e>
+                                <m:sSup>
+                                  <m:sSupPr>
+                                    <m:ctrlPr>
+                                      <a:rPr lang="en-CA" b="0" i="1" smtClean="0">
+                                        <a:latin typeface="Cambria Math" panose="02040503050406030204" pitchFamily="18" charset="0"/>
+                                      </a:rPr>
+                                    </m:ctrlPr>
+                                  </m:sSupPr>
+                                  <m:e>
+                                    <m:r>
+                                      <a:rPr lang="en-CA" i="1">
+                                        <a:latin typeface="Cambria Math" panose="02040503050406030204" pitchFamily="18" charset="0"/>
+                                      </a:rPr>
+                                      <m:t>𝑏𝑒𝑡</m:t>
+                                    </m:r>
+                                  </m:e>
+                                  <m:sup>
+                                    <m:r>
+                                      <a:rPr lang="en-CA" b="0" i="1" smtClean="0">
+                                        <a:latin typeface="Cambria Math" panose="02040503050406030204" pitchFamily="18" charset="0"/>
+                                      </a:rPr>
+                                      <m:t>2</m:t>
+                                    </m:r>
+                                  </m:sup>
+                                </m:sSup>
+                                <m:r>
+                                  <a:rPr lang="en-CA" b="0" i="1" smtClean="0">
+                                    <a:latin typeface="Cambria Math" panose="02040503050406030204" pitchFamily="18" charset="0"/>
+                                  </a:rPr>
+                                  <m:t>,</m:t>
+                                </m:r>
+                              </m:e>
+                              <m:e>
+                                <m:r>
+                                  <a:rPr lang="en-CA" b="0" i="1" smtClean="0">
+                                    <a:latin typeface="Cambria Math" panose="02040503050406030204" pitchFamily="18" charset="0"/>
+                                  </a:rPr>
+                                  <m:t>𝑡𝑟𝑖𝑐𝑘𝑠</m:t>
+                                </m:r>
+                                <m:r>
+                                  <a:rPr lang="en-CA" b="0" i="1" smtClean="0">
+                                    <a:latin typeface="Cambria Math" panose="02040503050406030204" pitchFamily="18" charset="0"/>
+                                  </a:rPr>
+                                  <m:t>&lt;</m:t>
+                                </m:r>
+                                <m:r>
+                                  <a:rPr lang="en-CA" b="0" i="1" smtClean="0">
+                                    <a:latin typeface="Cambria Math" panose="02040503050406030204" pitchFamily="18" charset="0"/>
+                                  </a:rPr>
+                                  <m:t>𝑏𝑒𝑡</m:t>
+                                </m:r>
+                              </m:e>
+                            </m:mr>
+                          </m:m>
+                        </m:e>
+                      </m:d>
+                    </m:oMath>
+                  </m:oMathPara>
+                </a14:m>
+                <a:endParaRPr lang="en-US" dirty="0"/>
+              </a:p>
+            </p:txBody>
+          </p:sp>
+        </mc:Choice>
+        <mc:Fallback>
+          <p:sp>
+            <p:nvSpPr>
+              <p:cNvPr id="37" name="TextBox 36">
+                <a:extLst>
+                  <a:ext uri="{FF2B5EF4-FFF2-40B4-BE49-F238E27FC236}">
+                    <a16:creationId xmlns:a16="http://schemas.microsoft.com/office/drawing/2014/main" id="{645EAE7B-B2C7-BC41-B941-20CC5D741635}"/>
+                  </a:ext>
+                </a:extLst>
+              </p:cNvPr>
+              <p:cNvSpPr txBox="1">
+                <a:spLocks noRot="1" noChangeAspect="1" noMove="1" noResize="1" noEditPoints="1" noAdjustHandles="1" noChangeArrowheads="1" noChangeShapeType="1" noTextEdit="1"/>
+              </p:cNvSpPr>
+              <p:nvPr/>
+            </p:nvSpPr>
+            <p:spPr>
+              <a:xfrm>
+                <a:off x="1371160" y="966696"/>
+                <a:ext cx="3970574" cy="719428"/>
+              </a:xfrm>
+              <a:prstGeom prst="rect">
+                <a:avLst/>
+              </a:prstGeom>
+              <a:blipFill>
+                <a:blip r:embed="rId8"/>
+                <a:stretch>
+                  <a:fillRect l="-14058" t="-220690" r="-639" b="-318966"/>
+                </a:stretch>
+              </a:blipFill>
+            </p:spPr>
+            <p:txBody>
+              <a:bodyPr/>
+              <a:lstStyle/>
+              <a:p>
+                <a:r>
+                  <a:rPr lang="en-US">
+                    <a:noFill/>
+                  </a:rPr>
+                  <a:t> </a:t>
+                </a:r>
+              </a:p>
+            </p:txBody>
+          </p:sp>
+        </mc:Fallback>
+      </mc:AlternateContent>
+      <p:sp>
+        <p:nvSpPr>
+          <p:cNvPr id="40" name="TextBox 39">
+            <a:extLst>
+              <a:ext uri="{FF2B5EF4-FFF2-40B4-BE49-F238E27FC236}">
+                <a16:creationId xmlns:a16="http://schemas.microsoft.com/office/drawing/2014/main" id="{E6D5FA38-CF36-4742-9BAF-A7FF6398FD1C}"/>
+              </a:ext>
+            </a:extLst>
+          </p:cNvPr>
+          <p:cNvSpPr txBox="1"/>
+          <p:nvPr/>
+        </p:nvSpPr>
+        <p:spPr>
+          <a:xfrm>
+            <a:off x="9864119" y="6560204"/>
+            <a:ext cx="2327881" cy="253916"/>
+          </a:xfrm>
+          <a:prstGeom prst="rect">
+            <a:avLst/>
+          </a:prstGeom>
+          <a:noFill/>
+        </p:spPr>
+        <p:txBody>
+          <a:bodyPr wrap="none" rtlCol="0">
+            <a:spAutoFit/>
+          </a:bodyPr>
           <a:lstStyle/>
           <a:p>
             <a:r>
-              <a:rPr lang="en-US" dirty="0"/>
-              <a:t>Table of GAME wins for everyone</a:t>
-            </a:r>
-          </a:p>
-          <a:p>
-            <a:r>
-              <a:rPr lang="en-US" dirty="0"/>
-              <a:t>Some kind of learning curve? </a:t>
-            </a:r>
-            <a:r>
-              <a:rPr lang="en-US" dirty="0" err="1"/>
-              <a:t>Avg</a:t>
-            </a:r>
-            <a:r>
-              <a:rPr lang="en-US" dirty="0"/>
-              <a:t> Score? Learns to bet according to play</a:t>
-            </a:r>
-          </a:p>
-          <a:p>
-            <a:r>
-              <a:rPr lang="en-US" dirty="0"/>
-              <a:t>Figure of NNs if we have space</a:t>
+              <a:rPr lang="en-US" sz="1050" dirty="0"/>
+              <a:t>*Bets made with a strategy-specific NN</a:t>
             </a:r>
           </a:p>
         </p:txBody>
